--- a/HF-ppt.pptx
+++ b/HF-ppt.pptx
@@ -5,18 +5,20 @@
     <p:sldMasterId id="2147483672" r:id="rId1"/>
   </p:sldMasterIdLst>
   <p:notesMasterIdLst>
-    <p:notesMasterId r:id="rId8"/>
+    <p:notesMasterId r:id="rId10"/>
   </p:notesMasterIdLst>
   <p:handoutMasterIdLst>
-    <p:handoutMasterId r:id="rId9"/>
+    <p:handoutMasterId r:id="rId11"/>
   </p:handoutMasterIdLst>
   <p:sldIdLst>
     <p:sldId id="256" r:id="rId2"/>
     <p:sldId id="264" r:id="rId3"/>
     <p:sldId id="257" r:id="rId4"/>
     <p:sldId id="258" r:id="rId5"/>
-    <p:sldId id="260" r:id="rId6"/>
-    <p:sldId id="265" r:id="rId7"/>
+    <p:sldId id="266" r:id="rId6"/>
+    <p:sldId id="260" r:id="rId7"/>
+    <p:sldId id="267" r:id="rId8"/>
+    <p:sldId id="265" r:id="rId9"/>
   </p:sldIdLst>
   <p:sldSz cx="12192000" cy="6858000"/>
   <p:notesSz cx="6858000" cy="9144000"/>
@@ -892,6 +894,753 @@
 </dgm:colorsDef>
 </file>
 
+<file path=ppt/diagrams/colors2.xml><?xml version="1.0" encoding="utf-8"?>
+<dgm:colorsDef xmlns:dgm="http://schemas.openxmlformats.org/drawingml/2006/diagram" xmlns:a="http://schemas.openxmlformats.org/drawingml/2006/main" uniqueId="urn:microsoft.com/office/officeart/2005/8/colors/accent1_2">
+  <dgm:title val=""/>
+  <dgm:desc val=""/>
+  <dgm:catLst>
+    <dgm:cat type="accent1" pri="11200"/>
+  </dgm:catLst>
+  <dgm:styleLbl name="node0">
+    <dgm:fillClrLst meth="repeat">
+      <a:schemeClr val="accent1"/>
+    </dgm:fillClrLst>
+    <dgm:linClrLst meth="repeat">
+      <a:schemeClr val="lt1"/>
+    </dgm:linClrLst>
+    <dgm:effectClrLst/>
+    <dgm:txLinClrLst/>
+    <dgm:txFillClrLst/>
+    <dgm:txEffectClrLst/>
+  </dgm:styleLbl>
+  <dgm:styleLbl name="alignNode1">
+    <dgm:fillClrLst meth="repeat">
+      <a:schemeClr val="accent1"/>
+    </dgm:fillClrLst>
+    <dgm:linClrLst meth="repeat">
+      <a:schemeClr val="accent1"/>
+    </dgm:linClrLst>
+    <dgm:effectClrLst/>
+    <dgm:txLinClrLst/>
+    <dgm:txFillClrLst/>
+    <dgm:txEffectClrLst/>
+  </dgm:styleLbl>
+  <dgm:styleLbl name="node1">
+    <dgm:fillClrLst meth="repeat">
+      <a:schemeClr val="accent1"/>
+    </dgm:fillClrLst>
+    <dgm:linClrLst meth="repeat">
+      <a:schemeClr val="lt1"/>
+    </dgm:linClrLst>
+    <dgm:effectClrLst/>
+    <dgm:txLinClrLst/>
+    <dgm:txFillClrLst/>
+    <dgm:txEffectClrLst/>
+  </dgm:styleLbl>
+  <dgm:styleLbl name="lnNode1">
+    <dgm:fillClrLst meth="repeat">
+      <a:schemeClr val="accent1"/>
+    </dgm:fillClrLst>
+    <dgm:linClrLst meth="repeat">
+      <a:schemeClr val="lt1"/>
+    </dgm:linClrLst>
+    <dgm:effectClrLst/>
+    <dgm:txLinClrLst/>
+    <dgm:txFillClrLst/>
+    <dgm:txEffectClrLst/>
+  </dgm:styleLbl>
+  <dgm:styleLbl name="vennNode1">
+    <dgm:fillClrLst meth="repeat">
+      <a:schemeClr val="accent1">
+        <a:alpha val="50000"/>
+      </a:schemeClr>
+    </dgm:fillClrLst>
+    <dgm:linClrLst meth="repeat">
+      <a:schemeClr val="lt1"/>
+    </dgm:linClrLst>
+    <dgm:effectClrLst/>
+    <dgm:txLinClrLst/>
+    <dgm:txFillClrLst/>
+    <dgm:txEffectClrLst/>
+  </dgm:styleLbl>
+  <dgm:styleLbl name="node2">
+    <dgm:fillClrLst meth="repeat">
+      <a:schemeClr val="accent1"/>
+    </dgm:fillClrLst>
+    <dgm:linClrLst meth="repeat">
+      <a:schemeClr val="lt1"/>
+    </dgm:linClrLst>
+    <dgm:effectClrLst/>
+    <dgm:txLinClrLst/>
+    <dgm:txFillClrLst/>
+    <dgm:txEffectClrLst/>
+  </dgm:styleLbl>
+  <dgm:styleLbl name="node3">
+    <dgm:fillClrLst meth="repeat">
+      <a:schemeClr val="accent1"/>
+    </dgm:fillClrLst>
+    <dgm:linClrLst meth="repeat">
+      <a:schemeClr val="lt1"/>
+    </dgm:linClrLst>
+    <dgm:effectClrLst/>
+    <dgm:txLinClrLst/>
+    <dgm:txFillClrLst/>
+    <dgm:txEffectClrLst/>
+  </dgm:styleLbl>
+  <dgm:styleLbl name="node4">
+    <dgm:fillClrLst meth="repeat">
+      <a:schemeClr val="accent1"/>
+    </dgm:fillClrLst>
+    <dgm:linClrLst meth="repeat">
+      <a:schemeClr val="lt1"/>
+    </dgm:linClrLst>
+    <dgm:effectClrLst/>
+    <dgm:txLinClrLst/>
+    <dgm:txFillClrLst/>
+    <dgm:txEffectClrLst/>
+  </dgm:styleLbl>
+  <dgm:styleLbl name="fgImgPlace1">
+    <dgm:fillClrLst meth="repeat">
+      <a:schemeClr val="accent1">
+        <a:tint val="50000"/>
+      </a:schemeClr>
+    </dgm:fillClrLst>
+    <dgm:linClrLst meth="repeat">
+      <a:schemeClr val="lt1"/>
+    </dgm:linClrLst>
+    <dgm:effectClrLst/>
+    <dgm:txLinClrLst/>
+    <dgm:txFillClrLst meth="repeat">
+      <a:schemeClr val="lt1"/>
+    </dgm:txFillClrLst>
+    <dgm:txEffectClrLst/>
+  </dgm:styleLbl>
+  <dgm:styleLbl name="alignImgPlace1">
+    <dgm:fillClrLst meth="repeat">
+      <a:schemeClr val="accent1">
+        <a:tint val="50000"/>
+      </a:schemeClr>
+    </dgm:fillClrLst>
+    <dgm:linClrLst meth="repeat">
+      <a:schemeClr val="lt1"/>
+    </dgm:linClrLst>
+    <dgm:effectClrLst/>
+    <dgm:txLinClrLst/>
+    <dgm:txFillClrLst meth="repeat">
+      <a:schemeClr val="lt1"/>
+    </dgm:txFillClrLst>
+    <dgm:txEffectClrLst/>
+  </dgm:styleLbl>
+  <dgm:styleLbl name="bgImgPlace1">
+    <dgm:fillClrLst meth="repeat">
+      <a:schemeClr val="accent1">
+        <a:tint val="50000"/>
+      </a:schemeClr>
+    </dgm:fillClrLst>
+    <dgm:linClrLst meth="repeat">
+      <a:schemeClr val="lt1"/>
+    </dgm:linClrLst>
+    <dgm:effectClrLst/>
+    <dgm:txLinClrLst/>
+    <dgm:txFillClrLst meth="repeat">
+      <a:schemeClr val="lt1"/>
+    </dgm:txFillClrLst>
+    <dgm:txEffectClrLst/>
+  </dgm:styleLbl>
+  <dgm:styleLbl name="sibTrans2D1">
+    <dgm:fillClrLst meth="repeat">
+      <a:schemeClr val="accent1">
+        <a:tint val="60000"/>
+      </a:schemeClr>
+    </dgm:fillClrLst>
+    <dgm:linClrLst meth="repeat">
+      <a:schemeClr val="accent1">
+        <a:tint val="60000"/>
+      </a:schemeClr>
+    </dgm:linClrLst>
+    <dgm:effectClrLst/>
+    <dgm:txLinClrLst/>
+    <dgm:txFillClrLst/>
+    <dgm:txEffectClrLst/>
+  </dgm:styleLbl>
+  <dgm:styleLbl name="fgSibTrans2D1">
+    <dgm:fillClrLst meth="repeat">
+      <a:schemeClr val="accent1">
+        <a:tint val="60000"/>
+      </a:schemeClr>
+    </dgm:fillClrLst>
+    <dgm:linClrLst meth="repeat">
+      <a:schemeClr val="accent1">
+        <a:tint val="60000"/>
+      </a:schemeClr>
+    </dgm:linClrLst>
+    <dgm:effectClrLst/>
+    <dgm:txLinClrLst/>
+    <dgm:txFillClrLst/>
+    <dgm:txEffectClrLst/>
+  </dgm:styleLbl>
+  <dgm:styleLbl name="bgSibTrans2D1">
+    <dgm:fillClrLst meth="repeat">
+      <a:schemeClr val="accent1">
+        <a:tint val="60000"/>
+      </a:schemeClr>
+    </dgm:fillClrLst>
+    <dgm:linClrLst meth="repeat">
+      <a:schemeClr val="accent1">
+        <a:tint val="60000"/>
+      </a:schemeClr>
+    </dgm:linClrLst>
+    <dgm:effectClrLst/>
+    <dgm:txLinClrLst/>
+    <dgm:txFillClrLst/>
+    <dgm:txEffectClrLst/>
+  </dgm:styleLbl>
+  <dgm:styleLbl name="sibTrans1D1">
+    <dgm:fillClrLst meth="repeat">
+      <a:schemeClr val="accent1"/>
+    </dgm:fillClrLst>
+    <dgm:linClrLst meth="repeat">
+      <a:schemeClr val="accent1"/>
+    </dgm:linClrLst>
+    <dgm:effectClrLst/>
+    <dgm:txLinClrLst/>
+    <dgm:txFillClrLst meth="repeat">
+      <a:schemeClr val="tx1"/>
+    </dgm:txFillClrLst>
+    <dgm:txEffectClrLst/>
+  </dgm:styleLbl>
+  <dgm:styleLbl name="callout">
+    <dgm:fillClrLst meth="repeat">
+      <a:schemeClr val="accent1"/>
+    </dgm:fillClrLst>
+    <dgm:linClrLst meth="repeat">
+      <a:schemeClr val="accent1">
+        <a:tint val="50000"/>
+      </a:schemeClr>
+    </dgm:linClrLst>
+    <dgm:effectClrLst/>
+    <dgm:txLinClrLst/>
+    <dgm:txFillClrLst meth="repeat">
+      <a:schemeClr val="tx1"/>
+    </dgm:txFillClrLst>
+    <dgm:txEffectClrLst/>
+  </dgm:styleLbl>
+  <dgm:styleLbl name="asst0">
+    <dgm:fillClrLst meth="repeat">
+      <a:schemeClr val="accent1"/>
+    </dgm:fillClrLst>
+    <dgm:linClrLst meth="repeat">
+      <a:schemeClr val="lt1"/>
+    </dgm:linClrLst>
+    <dgm:effectClrLst/>
+    <dgm:txLinClrLst/>
+    <dgm:txFillClrLst/>
+    <dgm:txEffectClrLst/>
+  </dgm:styleLbl>
+  <dgm:styleLbl name="asst1">
+    <dgm:fillClrLst meth="repeat">
+      <a:schemeClr val="accent1"/>
+    </dgm:fillClrLst>
+    <dgm:linClrLst meth="repeat">
+      <a:schemeClr val="lt1"/>
+    </dgm:linClrLst>
+    <dgm:effectClrLst/>
+    <dgm:txLinClrLst/>
+    <dgm:txFillClrLst/>
+    <dgm:txEffectClrLst/>
+  </dgm:styleLbl>
+  <dgm:styleLbl name="asst2">
+    <dgm:fillClrLst meth="repeat">
+      <a:schemeClr val="accent1"/>
+    </dgm:fillClrLst>
+    <dgm:linClrLst meth="repeat">
+      <a:schemeClr val="lt1"/>
+    </dgm:linClrLst>
+    <dgm:effectClrLst/>
+    <dgm:txLinClrLst/>
+    <dgm:txFillClrLst/>
+    <dgm:txEffectClrLst/>
+  </dgm:styleLbl>
+  <dgm:styleLbl name="asst3">
+    <dgm:fillClrLst meth="repeat">
+      <a:schemeClr val="accent1"/>
+    </dgm:fillClrLst>
+    <dgm:linClrLst meth="repeat">
+      <a:schemeClr val="lt1"/>
+    </dgm:linClrLst>
+    <dgm:effectClrLst/>
+    <dgm:txLinClrLst/>
+    <dgm:txFillClrLst/>
+    <dgm:txEffectClrLst/>
+  </dgm:styleLbl>
+  <dgm:styleLbl name="asst4">
+    <dgm:fillClrLst meth="repeat">
+      <a:schemeClr val="accent1"/>
+    </dgm:fillClrLst>
+    <dgm:linClrLst meth="repeat">
+      <a:schemeClr val="lt1"/>
+    </dgm:linClrLst>
+    <dgm:effectClrLst/>
+    <dgm:txLinClrLst/>
+    <dgm:txFillClrLst/>
+    <dgm:txEffectClrLst/>
+  </dgm:styleLbl>
+  <dgm:styleLbl name="parChTrans2D1">
+    <dgm:fillClrLst meth="repeat">
+      <a:schemeClr val="accent1">
+        <a:tint val="60000"/>
+      </a:schemeClr>
+    </dgm:fillClrLst>
+    <dgm:linClrLst meth="repeat">
+      <a:schemeClr val="accent1">
+        <a:tint val="60000"/>
+      </a:schemeClr>
+    </dgm:linClrLst>
+    <dgm:effectClrLst/>
+    <dgm:txLinClrLst/>
+    <dgm:txFillClrLst meth="repeat">
+      <a:schemeClr val="lt1"/>
+    </dgm:txFillClrLst>
+    <dgm:txEffectClrLst/>
+  </dgm:styleLbl>
+  <dgm:styleLbl name="parChTrans2D2">
+    <dgm:fillClrLst meth="repeat">
+      <a:schemeClr val="accent1"/>
+    </dgm:fillClrLst>
+    <dgm:linClrLst meth="repeat">
+      <a:schemeClr val="accent1"/>
+    </dgm:linClrLst>
+    <dgm:effectClrLst/>
+    <dgm:txLinClrLst/>
+    <dgm:txFillClrLst meth="repeat">
+      <a:schemeClr val="lt1"/>
+    </dgm:txFillClrLst>
+    <dgm:txEffectClrLst/>
+  </dgm:styleLbl>
+  <dgm:styleLbl name="parChTrans2D3">
+    <dgm:fillClrLst meth="repeat">
+      <a:schemeClr val="accent1"/>
+    </dgm:fillClrLst>
+    <dgm:linClrLst meth="repeat">
+      <a:schemeClr val="accent1"/>
+    </dgm:linClrLst>
+    <dgm:effectClrLst/>
+    <dgm:txLinClrLst/>
+    <dgm:txFillClrLst meth="repeat">
+      <a:schemeClr val="lt1"/>
+    </dgm:txFillClrLst>
+    <dgm:txEffectClrLst/>
+  </dgm:styleLbl>
+  <dgm:styleLbl name="parChTrans2D4">
+    <dgm:fillClrLst meth="repeat">
+      <a:schemeClr val="accent1"/>
+    </dgm:fillClrLst>
+    <dgm:linClrLst meth="repeat">
+      <a:schemeClr val="accent1"/>
+    </dgm:linClrLst>
+    <dgm:effectClrLst/>
+    <dgm:txLinClrLst/>
+    <dgm:txFillClrLst meth="repeat">
+      <a:schemeClr val="lt1"/>
+    </dgm:txFillClrLst>
+    <dgm:txEffectClrLst/>
+  </dgm:styleLbl>
+  <dgm:styleLbl name="parChTrans1D1">
+    <dgm:fillClrLst meth="repeat">
+      <a:schemeClr val="accent1"/>
+    </dgm:fillClrLst>
+    <dgm:linClrLst meth="repeat">
+      <a:schemeClr val="accent1">
+        <a:shade val="60000"/>
+      </a:schemeClr>
+    </dgm:linClrLst>
+    <dgm:effectClrLst/>
+    <dgm:txLinClrLst/>
+    <dgm:txFillClrLst meth="repeat">
+      <a:schemeClr val="tx1"/>
+    </dgm:txFillClrLst>
+    <dgm:txEffectClrLst/>
+  </dgm:styleLbl>
+  <dgm:styleLbl name="parChTrans1D2">
+    <dgm:fillClrLst meth="repeat">
+      <a:schemeClr val="accent1"/>
+    </dgm:fillClrLst>
+    <dgm:linClrLst meth="repeat">
+      <a:schemeClr val="accent1">
+        <a:shade val="60000"/>
+      </a:schemeClr>
+    </dgm:linClrLst>
+    <dgm:effectClrLst/>
+    <dgm:txLinClrLst/>
+    <dgm:txFillClrLst meth="repeat">
+      <a:schemeClr val="tx1"/>
+    </dgm:txFillClrLst>
+    <dgm:txEffectClrLst/>
+  </dgm:styleLbl>
+  <dgm:styleLbl name="parChTrans1D3">
+    <dgm:fillClrLst meth="repeat">
+      <a:schemeClr val="accent1"/>
+    </dgm:fillClrLst>
+    <dgm:linClrLst meth="repeat">
+      <a:schemeClr val="accent1">
+        <a:shade val="80000"/>
+      </a:schemeClr>
+    </dgm:linClrLst>
+    <dgm:effectClrLst/>
+    <dgm:txLinClrLst/>
+    <dgm:txFillClrLst meth="repeat">
+      <a:schemeClr val="tx1"/>
+    </dgm:txFillClrLst>
+    <dgm:txEffectClrLst/>
+  </dgm:styleLbl>
+  <dgm:styleLbl name="parChTrans1D4">
+    <dgm:fillClrLst meth="repeat">
+      <a:schemeClr val="accent1"/>
+    </dgm:fillClrLst>
+    <dgm:linClrLst meth="repeat">
+      <a:schemeClr val="accent1">
+        <a:shade val="80000"/>
+      </a:schemeClr>
+    </dgm:linClrLst>
+    <dgm:effectClrLst/>
+    <dgm:txLinClrLst/>
+    <dgm:txFillClrLst meth="repeat">
+      <a:schemeClr val="tx1"/>
+    </dgm:txFillClrLst>
+    <dgm:txEffectClrLst/>
+  </dgm:styleLbl>
+  <dgm:styleLbl name="fgAcc1">
+    <dgm:fillClrLst meth="repeat">
+      <a:schemeClr val="lt1">
+        <a:alpha val="90000"/>
+      </a:schemeClr>
+    </dgm:fillClrLst>
+    <dgm:linClrLst meth="repeat">
+      <a:schemeClr val="accent1"/>
+    </dgm:linClrLst>
+    <dgm:effectClrLst/>
+    <dgm:txLinClrLst/>
+    <dgm:txFillClrLst meth="repeat">
+      <a:schemeClr val="dk1"/>
+    </dgm:txFillClrLst>
+    <dgm:txEffectClrLst/>
+  </dgm:styleLbl>
+  <dgm:styleLbl name="conFgAcc1">
+    <dgm:fillClrLst meth="repeat">
+      <a:schemeClr val="lt1">
+        <a:alpha val="90000"/>
+      </a:schemeClr>
+    </dgm:fillClrLst>
+    <dgm:linClrLst meth="repeat">
+      <a:schemeClr val="accent1"/>
+    </dgm:linClrLst>
+    <dgm:effectClrLst/>
+    <dgm:txLinClrLst/>
+    <dgm:txFillClrLst meth="repeat">
+      <a:schemeClr val="dk1"/>
+    </dgm:txFillClrLst>
+    <dgm:txEffectClrLst/>
+  </dgm:styleLbl>
+  <dgm:styleLbl name="alignAcc1">
+    <dgm:fillClrLst meth="repeat">
+      <a:schemeClr val="lt1">
+        <a:alpha val="90000"/>
+      </a:schemeClr>
+    </dgm:fillClrLst>
+    <dgm:linClrLst meth="repeat">
+      <a:schemeClr val="accent1"/>
+    </dgm:linClrLst>
+    <dgm:effectClrLst/>
+    <dgm:txLinClrLst/>
+    <dgm:txFillClrLst meth="repeat">
+      <a:schemeClr val="dk1"/>
+    </dgm:txFillClrLst>
+    <dgm:txEffectClrLst/>
+  </dgm:styleLbl>
+  <dgm:styleLbl name="trAlignAcc1">
+    <dgm:fillClrLst meth="repeat">
+      <a:schemeClr val="lt1">
+        <a:alpha val="40000"/>
+      </a:schemeClr>
+    </dgm:fillClrLst>
+    <dgm:linClrLst meth="repeat">
+      <a:schemeClr val="accent1"/>
+    </dgm:linClrLst>
+    <dgm:effectClrLst/>
+    <dgm:txLinClrLst/>
+    <dgm:txFillClrLst meth="repeat">
+      <a:schemeClr val="dk1"/>
+    </dgm:txFillClrLst>
+    <dgm:txEffectClrLst/>
+  </dgm:styleLbl>
+  <dgm:styleLbl name="bgAcc1">
+    <dgm:fillClrLst meth="repeat">
+      <a:schemeClr val="lt1">
+        <a:alpha val="90000"/>
+      </a:schemeClr>
+    </dgm:fillClrLst>
+    <dgm:linClrLst meth="repeat">
+      <a:schemeClr val="accent1"/>
+    </dgm:linClrLst>
+    <dgm:effectClrLst/>
+    <dgm:txLinClrLst/>
+    <dgm:txFillClrLst meth="repeat">
+      <a:schemeClr val="dk1"/>
+    </dgm:txFillClrLst>
+    <dgm:txEffectClrLst/>
+  </dgm:styleLbl>
+  <dgm:styleLbl name="solidFgAcc1">
+    <dgm:fillClrLst meth="repeat">
+      <a:schemeClr val="lt1"/>
+    </dgm:fillClrLst>
+    <dgm:linClrLst meth="repeat">
+      <a:schemeClr val="accent1"/>
+    </dgm:linClrLst>
+    <dgm:effectClrLst/>
+    <dgm:txLinClrLst/>
+    <dgm:txFillClrLst meth="repeat">
+      <a:schemeClr val="dk1"/>
+    </dgm:txFillClrLst>
+    <dgm:txEffectClrLst/>
+  </dgm:styleLbl>
+  <dgm:styleLbl name="solidAlignAcc1">
+    <dgm:fillClrLst meth="repeat">
+      <a:schemeClr val="lt1"/>
+    </dgm:fillClrLst>
+    <dgm:linClrLst meth="repeat">
+      <a:schemeClr val="accent1"/>
+    </dgm:linClrLst>
+    <dgm:effectClrLst/>
+    <dgm:txLinClrLst/>
+    <dgm:txFillClrLst meth="repeat">
+      <a:schemeClr val="dk1"/>
+    </dgm:txFillClrLst>
+    <dgm:txEffectClrLst/>
+  </dgm:styleLbl>
+  <dgm:styleLbl name="solidBgAcc1">
+    <dgm:fillClrLst meth="repeat">
+      <a:schemeClr val="lt1"/>
+    </dgm:fillClrLst>
+    <dgm:linClrLst meth="repeat">
+      <a:schemeClr val="accent1"/>
+    </dgm:linClrLst>
+    <dgm:effectClrLst/>
+    <dgm:txLinClrLst/>
+    <dgm:txFillClrLst meth="repeat">
+      <a:schemeClr val="dk1"/>
+    </dgm:txFillClrLst>
+    <dgm:txEffectClrLst/>
+  </dgm:styleLbl>
+  <dgm:styleLbl name="fgAccFollowNode1">
+    <dgm:fillClrLst meth="repeat">
+      <a:schemeClr val="accent1">
+        <a:alpha val="90000"/>
+        <a:tint val="40000"/>
+      </a:schemeClr>
+    </dgm:fillClrLst>
+    <dgm:linClrLst meth="repeat">
+      <a:schemeClr val="accent1">
+        <a:alpha val="90000"/>
+        <a:tint val="40000"/>
+      </a:schemeClr>
+    </dgm:linClrLst>
+    <dgm:effectClrLst/>
+    <dgm:txLinClrLst/>
+    <dgm:txFillClrLst meth="repeat">
+      <a:schemeClr val="dk1"/>
+    </dgm:txFillClrLst>
+    <dgm:txEffectClrLst/>
+  </dgm:styleLbl>
+  <dgm:styleLbl name="alignAccFollowNode1">
+    <dgm:fillClrLst meth="repeat">
+      <a:schemeClr val="accent1">
+        <a:alpha val="90000"/>
+        <a:tint val="40000"/>
+      </a:schemeClr>
+    </dgm:fillClrLst>
+    <dgm:linClrLst meth="repeat">
+      <a:schemeClr val="accent1">
+        <a:alpha val="90000"/>
+        <a:tint val="40000"/>
+      </a:schemeClr>
+    </dgm:linClrLst>
+    <dgm:effectClrLst/>
+    <dgm:txLinClrLst/>
+    <dgm:txFillClrLst meth="repeat">
+      <a:schemeClr val="dk1"/>
+    </dgm:txFillClrLst>
+    <dgm:txEffectClrLst/>
+  </dgm:styleLbl>
+  <dgm:styleLbl name="bgAccFollowNode1">
+    <dgm:fillClrLst meth="repeat">
+      <a:schemeClr val="accent1">
+        <a:alpha val="90000"/>
+        <a:tint val="40000"/>
+      </a:schemeClr>
+    </dgm:fillClrLst>
+    <dgm:linClrLst meth="repeat">
+      <a:schemeClr val="accent1">
+        <a:alpha val="90000"/>
+        <a:tint val="40000"/>
+      </a:schemeClr>
+    </dgm:linClrLst>
+    <dgm:effectClrLst/>
+    <dgm:txLinClrLst/>
+    <dgm:txFillClrLst meth="repeat">
+      <a:schemeClr val="dk1"/>
+    </dgm:txFillClrLst>
+    <dgm:txEffectClrLst/>
+  </dgm:styleLbl>
+  <dgm:styleLbl name="fgAcc0">
+    <dgm:fillClrLst meth="repeat">
+      <a:schemeClr val="lt1">
+        <a:alpha val="90000"/>
+      </a:schemeClr>
+    </dgm:fillClrLst>
+    <dgm:linClrLst meth="repeat">
+      <a:schemeClr val="accent1"/>
+    </dgm:linClrLst>
+    <dgm:effectClrLst/>
+    <dgm:txLinClrLst/>
+    <dgm:txFillClrLst meth="repeat">
+      <a:schemeClr val="dk1"/>
+    </dgm:txFillClrLst>
+    <dgm:txEffectClrLst/>
+  </dgm:styleLbl>
+  <dgm:styleLbl name="fgAcc2">
+    <dgm:fillClrLst meth="repeat">
+      <a:schemeClr val="lt1">
+        <a:alpha val="90000"/>
+      </a:schemeClr>
+    </dgm:fillClrLst>
+    <dgm:linClrLst meth="repeat">
+      <a:schemeClr val="accent1"/>
+    </dgm:linClrLst>
+    <dgm:effectClrLst/>
+    <dgm:txLinClrLst/>
+    <dgm:txFillClrLst meth="repeat">
+      <a:schemeClr val="dk1"/>
+    </dgm:txFillClrLst>
+    <dgm:txEffectClrLst/>
+  </dgm:styleLbl>
+  <dgm:styleLbl name="fgAcc3">
+    <dgm:fillClrLst meth="repeat">
+      <a:schemeClr val="lt1">
+        <a:alpha val="90000"/>
+      </a:schemeClr>
+    </dgm:fillClrLst>
+    <dgm:linClrLst meth="repeat">
+      <a:schemeClr val="accent1"/>
+    </dgm:linClrLst>
+    <dgm:effectClrLst/>
+    <dgm:txLinClrLst/>
+    <dgm:txFillClrLst meth="repeat">
+      <a:schemeClr val="dk1"/>
+    </dgm:txFillClrLst>
+    <dgm:txEffectClrLst/>
+  </dgm:styleLbl>
+  <dgm:styleLbl name="fgAcc4">
+    <dgm:fillClrLst meth="repeat">
+      <a:schemeClr val="lt1">
+        <a:alpha val="90000"/>
+      </a:schemeClr>
+    </dgm:fillClrLst>
+    <dgm:linClrLst meth="repeat">
+      <a:schemeClr val="accent1"/>
+    </dgm:linClrLst>
+    <dgm:effectClrLst/>
+    <dgm:txLinClrLst/>
+    <dgm:txFillClrLst meth="repeat">
+      <a:schemeClr val="dk1"/>
+    </dgm:txFillClrLst>
+    <dgm:txEffectClrLst/>
+  </dgm:styleLbl>
+  <dgm:styleLbl name="bgShp">
+    <dgm:fillClrLst meth="repeat">
+      <a:schemeClr val="accent1">
+        <a:tint val="40000"/>
+      </a:schemeClr>
+    </dgm:fillClrLst>
+    <dgm:linClrLst meth="repeat">
+      <a:schemeClr val="accent1"/>
+    </dgm:linClrLst>
+    <dgm:effectClrLst/>
+    <dgm:txLinClrLst/>
+    <dgm:txFillClrLst meth="repeat">
+      <a:schemeClr val="dk1"/>
+    </dgm:txFillClrLst>
+    <dgm:txEffectClrLst/>
+  </dgm:styleLbl>
+  <dgm:styleLbl name="dkBgShp">
+    <dgm:fillClrLst meth="repeat">
+      <a:schemeClr val="accent1">
+        <a:shade val="80000"/>
+      </a:schemeClr>
+    </dgm:fillClrLst>
+    <dgm:linClrLst meth="repeat">
+      <a:schemeClr val="accent1"/>
+    </dgm:linClrLst>
+    <dgm:effectClrLst/>
+    <dgm:txLinClrLst/>
+    <dgm:txFillClrLst meth="repeat">
+      <a:schemeClr val="lt1"/>
+    </dgm:txFillClrLst>
+    <dgm:txEffectClrLst/>
+  </dgm:styleLbl>
+  <dgm:styleLbl name="trBgShp">
+    <dgm:fillClrLst meth="repeat">
+      <a:schemeClr val="accent1">
+        <a:tint val="50000"/>
+        <a:alpha val="40000"/>
+      </a:schemeClr>
+    </dgm:fillClrLst>
+    <dgm:linClrLst meth="repeat">
+      <a:schemeClr val="accent1"/>
+    </dgm:linClrLst>
+    <dgm:effectClrLst/>
+    <dgm:txLinClrLst/>
+    <dgm:txFillClrLst meth="repeat">
+      <a:schemeClr val="lt1"/>
+    </dgm:txFillClrLst>
+    <dgm:txEffectClrLst/>
+  </dgm:styleLbl>
+  <dgm:styleLbl name="fgShp">
+    <dgm:fillClrLst meth="repeat">
+      <a:schemeClr val="accent1">
+        <a:tint val="60000"/>
+      </a:schemeClr>
+    </dgm:fillClrLst>
+    <dgm:linClrLst meth="repeat">
+      <a:schemeClr val="lt1"/>
+    </dgm:linClrLst>
+    <dgm:effectClrLst/>
+    <dgm:txLinClrLst/>
+    <dgm:txFillClrLst meth="repeat">
+      <a:schemeClr val="dk1"/>
+    </dgm:txFillClrLst>
+    <dgm:txEffectClrLst/>
+  </dgm:styleLbl>
+  <dgm:styleLbl name="revTx">
+    <dgm:fillClrLst meth="repeat">
+      <a:schemeClr val="lt1">
+        <a:alpha val="0"/>
+      </a:schemeClr>
+    </dgm:fillClrLst>
+    <dgm:linClrLst meth="repeat">
+      <a:schemeClr val="dk1">
+        <a:alpha val="0"/>
+      </a:schemeClr>
+    </dgm:linClrLst>
+    <dgm:effectClrLst/>
+    <dgm:txLinClrLst/>
+    <dgm:txFillClrLst meth="repeat">
+      <a:schemeClr val="tx1"/>
+    </dgm:txFillClrLst>
+    <dgm:txEffectClrLst/>
+  </dgm:styleLbl>
+</dgm:colorsDef>
+</file>
+
 <file path=ppt/diagrams/data1.xml><?xml version="1.0" encoding="utf-8"?>
 <dgm:dataModel xmlns:dgm="http://schemas.openxmlformats.org/drawingml/2006/diagram" xmlns:a="http://schemas.openxmlformats.org/drawingml/2006/main">
   <dgm:ptLst>
@@ -981,6 +1730,515 @@
   <dgm:extLst>
     <a:ext uri="http://schemas.microsoft.com/office/drawing/2008/diagram">
       <dsp:dataModelExt xmlns:dsp="http://schemas.microsoft.com/office/drawing/2008/diagram" relId="rId11" minVer="http://schemas.openxmlformats.org/drawingml/2006/diagram"/>
+    </a:ext>
+  </dgm:extLst>
+</dgm:dataModel>
+</file>
+
+<file path=ppt/diagrams/data2.xml><?xml version="1.0" encoding="utf-8"?>
+<dgm:dataModel xmlns:dgm="http://schemas.openxmlformats.org/drawingml/2006/diagram" xmlns:a="http://schemas.openxmlformats.org/drawingml/2006/main">
+  <dgm:ptLst>
+    <dgm:pt modelId="{1FEFA35A-2A56-4647-9EBB-281CD807813C}" type="doc">
+      <dgm:prSet loTypeId="urn:microsoft.com/office/officeart/2005/8/layout/vList5" loCatId="list" qsTypeId="urn:microsoft.com/office/officeart/2005/8/quickstyle/simple1" qsCatId="simple" csTypeId="urn:microsoft.com/office/officeart/2005/8/colors/accent1_2" csCatId="accent1" phldr="1"/>
+      <dgm:spPr/>
+      <dgm:t>
+        <a:bodyPr/>
+        <a:lstStyle/>
+        <a:p>
+          <a:endParaRPr lang="hu-HU"/>
+        </a:p>
+      </dgm:t>
+    </dgm:pt>
+    <dgm:pt modelId="{955454BB-863A-49FB-A932-CA0B8AA9D34F}">
+      <dgm:prSet/>
+      <dgm:spPr/>
+      <dgm:t>
+        <a:bodyPr/>
+        <a:lstStyle/>
+        <a:p>
+          <a:r>
+            <a:rPr lang="hu-HU" dirty="0"/>
+            <a:t>Paraméterek</a:t>
+          </a:r>
+        </a:p>
+      </dgm:t>
+    </dgm:pt>
+    <dgm:pt modelId="{A1999BD4-0FDE-4B32-A8CD-7BBA87C7BA8F}" type="parTrans" cxnId="{1A61B66D-F764-4DFF-931B-B7F8A6E48F7B}">
+      <dgm:prSet/>
+      <dgm:spPr/>
+      <dgm:t>
+        <a:bodyPr/>
+        <a:lstStyle/>
+        <a:p>
+          <a:endParaRPr lang="hu-HU"/>
+        </a:p>
+      </dgm:t>
+    </dgm:pt>
+    <dgm:pt modelId="{8E8C0FB7-8F98-4EA6-96A6-FEC35F1A9A94}" type="sibTrans" cxnId="{1A61B66D-F764-4DFF-931B-B7F8A6E48F7B}">
+      <dgm:prSet/>
+      <dgm:spPr/>
+      <dgm:t>
+        <a:bodyPr/>
+        <a:lstStyle/>
+        <a:p>
+          <a:endParaRPr lang="hu-HU"/>
+        </a:p>
+      </dgm:t>
+    </dgm:pt>
+    <dgm:pt modelId="{92473216-08FC-446A-A105-D8D244AF065F}">
+      <dgm:prSet/>
+      <dgm:spPr/>
+      <dgm:t>
+        <a:bodyPr/>
+        <a:lstStyle/>
+        <a:p>
+          <a:r>
+            <a:rPr lang="hu-HU"/>
+            <a:t>Iterációszám: 1000</a:t>
+          </a:r>
+        </a:p>
+      </dgm:t>
+    </dgm:pt>
+    <dgm:pt modelId="{7BF53466-7E79-48C4-91CB-883C7F0AAC86}" type="parTrans" cxnId="{7B7B97DF-58D4-4204-991E-3D6860BE4896}">
+      <dgm:prSet/>
+      <dgm:spPr/>
+      <dgm:t>
+        <a:bodyPr/>
+        <a:lstStyle/>
+        <a:p>
+          <a:endParaRPr lang="hu-HU"/>
+        </a:p>
+      </dgm:t>
+    </dgm:pt>
+    <dgm:pt modelId="{07E9A7FD-A070-4F7C-BD22-00DDA6E6F12E}" type="sibTrans" cxnId="{7B7B97DF-58D4-4204-991E-3D6860BE4896}">
+      <dgm:prSet/>
+      <dgm:spPr/>
+      <dgm:t>
+        <a:bodyPr/>
+        <a:lstStyle/>
+        <a:p>
+          <a:endParaRPr lang="hu-HU"/>
+        </a:p>
+      </dgm:t>
+    </dgm:pt>
+    <dgm:pt modelId="{6B732870-3F0B-44B6-832D-6A18C754DE22}">
+      <dgm:prSet/>
+      <dgm:spPr/>
+      <dgm:t>
+        <a:bodyPr/>
+        <a:lstStyle/>
+        <a:p>
+          <a:r>
+            <a:rPr lang="hu-HU"/>
+            <a:t>Epoch: 100</a:t>
+          </a:r>
+        </a:p>
+      </dgm:t>
+    </dgm:pt>
+    <dgm:pt modelId="{4DDAFD6B-F543-4033-AA37-3EDC8EF557FB}" type="parTrans" cxnId="{AC692DB0-9AC0-4526-B362-0DBB628188C1}">
+      <dgm:prSet/>
+      <dgm:spPr/>
+      <dgm:t>
+        <a:bodyPr/>
+        <a:lstStyle/>
+        <a:p>
+          <a:endParaRPr lang="hu-HU"/>
+        </a:p>
+      </dgm:t>
+    </dgm:pt>
+    <dgm:pt modelId="{65C3E9D2-3B93-4E04-90B7-E725659300B4}" type="sibTrans" cxnId="{AC692DB0-9AC0-4526-B362-0DBB628188C1}">
+      <dgm:prSet/>
+      <dgm:spPr/>
+      <dgm:t>
+        <a:bodyPr/>
+        <a:lstStyle/>
+        <a:p>
+          <a:endParaRPr lang="hu-HU"/>
+        </a:p>
+      </dgm:t>
+    </dgm:pt>
+    <dgm:pt modelId="{B996183D-667B-4A07-8775-C7F6DC7E4302}">
+      <dgm:prSet/>
+      <dgm:spPr/>
+      <dgm:t>
+        <a:bodyPr/>
+        <a:lstStyle/>
+        <a:p>
+          <a:r>
+            <a:rPr lang="hu-HU"/>
+            <a:t>Csatorna-multiplikátor: 1,2,2,4</a:t>
+          </a:r>
+        </a:p>
+      </dgm:t>
+    </dgm:pt>
+    <dgm:pt modelId="{BF4BD499-61ED-412C-93EB-541B7BB51E93}" type="parTrans" cxnId="{49F44F30-6417-4D12-8F3E-27819F1B63C8}">
+      <dgm:prSet/>
+      <dgm:spPr/>
+      <dgm:t>
+        <a:bodyPr/>
+        <a:lstStyle/>
+        <a:p>
+          <a:endParaRPr lang="hu-HU"/>
+        </a:p>
+      </dgm:t>
+    </dgm:pt>
+    <dgm:pt modelId="{DF57178B-4B22-4518-82D7-DF12FA393E97}" type="sibTrans" cxnId="{49F44F30-6417-4D12-8F3E-27819F1B63C8}">
+      <dgm:prSet/>
+      <dgm:spPr/>
+      <dgm:t>
+        <a:bodyPr/>
+        <a:lstStyle/>
+        <a:p>
+          <a:endParaRPr lang="hu-HU"/>
+        </a:p>
+      </dgm:t>
+    </dgm:pt>
+    <dgm:pt modelId="{1B2243BA-0C98-48C1-916B-CC149E65FB9C}">
+      <dgm:prSet/>
+      <dgm:spPr/>
+      <dgm:t>
+        <a:bodyPr/>
+        <a:lstStyle/>
+        <a:p>
+          <a:r>
+            <a:rPr lang="hu-HU"/>
+            <a:t>Attention: H, H, I, I</a:t>
+          </a:r>
+        </a:p>
+      </dgm:t>
+    </dgm:pt>
+    <dgm:pt modelId="{D72BB3CF-7CA3-4193-9521-B9785618ECBE}" type="parTrans" cxnId="{E520AFE2-30ED-46D9-A913-15C50AABB5C9}">
+      <dgm:prSet/>
+      <dgm:spPr/>
+      <dgm:t>
+        <a:bodyPr/>
+        <a:lstStyle/>
+        <a:p>
+          <a:endParaRPr lang="hu-HU"/>
+        </a:p>
+      </dgm:t>
+    </dgm:pt>
+    <dgm:pt modelId="{DECCDB90-B90E-470A-A9A8-361E29294C8A}" type="sibTrans" cxnId="{E520AFE2-30ED-46D9-A913-15C50AABB5C9}">
+      <dgm:prSet/>
+      <dgm:spPr/>
+      <dgm:t>
+        <a:bodyPr/>
+        <a:lstStyle/>
+        <a:p>
+          <a:endParaRPr lang="hu-HU"/>
+        </a:p>
+      </dgm:t>
+    </dgm:pt>
+    <dgm:pt modelId="{961203DF-D65F-4A48-B134-722AFC56722A}">
+      <dgm:prSet/>
+      <dgm:spPr/>
+      <dgm:t>
+        <a:bodyPr/>
+        <a:lstStyle/>
+        <a:p>
+          <a:r>
+            <a:rPr lang="hu-HU"/>
+            <a:t>Learning rate: 0.00002</a:t>
+          </a:r>
+        </a:p>
+      </dgm:t>
+    </dgm:pt>
+    <dgm:pt modelId="{0D64A94F-D252-4CE0-B014-490C9E6F3882}" type="parTrans" cxnId="{CC62F93B-10C3-4673-B963-B641F753B067}">
+      <dgm:prSet/>
+      <dgm:spPr/>
+      <dgm:t>
+        <a:bodyPr/>
+        <a:lstStyle/>
+        <a:p>
+          <a:endParaRPr lang="hu-HU"/>
+        </a:p>
+      </dgm:t>
+    </dgm:pt>
+    <dgm:pt modelId="{7D80697F-3F49-4BB7-A733-24419EEB7056}" type="sibTrans" cxnId="{CC62F93B-10C3-4673-B963-B641F753B067}">
+      <dgm:prSet/>
+      <dgm:spPr/>
+      <dgm:t>
+        <a:bodyPr/>
+        <a:lstStyle/>
+        <a:p>
+          <a:endParaRPr lang="hu-HU"/>
+        </a:p>
+      </dgm:t>
+    </dgm:pt>
+    <dgm:pt modelId="{F2BA3C4B-303D-4F6D-9AA4-75F875C4B1F9}">
+      <dgm:prSet/>
+      <dgm:spPr/>
+      <dgm:t>
+        <a:bodyPr/>
+        <a:lstStyle/>
+        <a:p>
+          <a:r>
+            <a:rPr lang="hu-HU" dirty="0"/>
+            <a:t>Batch méret: 256</a:t>
+          </a:r>
+        </a:p>
+      </dgm:t>
+    </dgm:pt>
+    <dgm:pt modelId="{1ED774F9-F5CF-42C0-A1A6-88ABC9CCBB32}" type="parTrans" cxnId="{612755FD-3440-4D26-B59F-33EED0A3E3D8}">
+      <dgm:prSet/>
+      <dgm:spPr/>
+      <dgm:t>
+        <a:bodyPr/>
+        <a:lstStyle/>
+        <a:p>
+          <a:endParaRPr lang="hu-HU"/>
+        </a:p>
+      </dgm:t>
+    </dgm:pt>
+    <dgm:pt modelId="{381C2A9A-4E66-4678-99B1-107CDFDDF4A8}" type="sibTrans" cxnId="{612755FD-3440-4D26-B59F-33EED0A3E3D8}">
+      <dgm:prSet/>
+      <dgm:spPr/>
+      <dgm:t>
+        <a:bodyPr/>
+        <a:lstStyle/>
+        <a:p>
+          <a:endParaRPr lang="hu-HU"/>
+        </a:p>
+      </dgm:t>
+    </dgm:pt>
+    <dgm:pt modelId="{A1FA4A03-6927-4D84-A57E-73BCBF1E993A}">
+      <dgm:prSet/>
+      <dgm:spPr/>
+      <dgm:t>
+        <a:bodyPr/>
+        <a:lstStyle/>
+        <a:p>
+          <a:r>
+            <a:rPr lang="hu-HU"/>
+            <a:t>Metrikák</a:t>
+          </a:r>
+        </a:p>
+      </dgm:t>
+    </dgm:pt>
+    <dgm:pt modelId="{27E400D7-22F0-4A4E-A949-91381000A087}" type="parTrans" cxnId="{60749A2B-0056-43E5-9550-2439E08BCA52}">
+      <dgm:prSet/>
+      <dgm:spPr/>
+      <dgm:t>
+        <a:bodyPr/>
+        <a:lstStyle/>
+        <a:p>
+          <a:endParaRPr lang="hu-HU"/>
+        </a:p>
+      </dgm:t>
+    </dgm:pt>
+    <dgm:pt modelId="{57147946-AA57-43B3-B9C1-E221F4E1A13D}" type="sibTrans" cxnId="{60749A2B-0056-43E5-9550-2439E08BCA52}">
+      <dgm:prSet/>
+      <dgm:spPr/>
+      <dgm:t>
+        <a:bodyPr/>
+        <a:lstStyle/>
+        <a:p>
+          <a:endParaRPr lang="hu-HU"/>
+        </a:p>
+      </dgm:t>
+    </dgm:pt>
+    <dgm:pt modelId="{A5D79423-6BFD-4665-A1D4-7842D83E0FD9}">
+      <dgm:prSet/>
+      <dgm:spPr/>
+      <dgm:t>
+        <a:bodyPr/>
+        <a:lstStyle/>
+        <a:p>
+          <a:r>
+            <a:rPr lang="hu-HU"/>
+            <a:t>FID érték</a:t>
+          </a:r>
+        </a:p>
+      </dgm:t>
+    </dgm:pt>
+    <dgm:pt modelId="{4D21D911-663D-449D-A72B-2BA52B9114DE}" type="parTrans" cxnId="{363F8656-3696-4A02-9E6A-75DFC1BF3548}">
+      <dgm:prSet/>
+      <dgm:spPr/>
+      <dgm:t>
+        <a:bodyPr/>
+        <a:lstStyle/>
+        <a:p>
+          <a:endParaRPr lang="hu-HU"/>
+        </a:p>
+      </dgm:t>
+    </dgm:pt>
+    <dgm:pt modelId="{2FFF4F3F-0084-4581-9529-218DE6CD7436}" type="sibTrans" cxnId="{363F8656-3696-4A02-9E6A-75DFC1BF3548}">
+      <dgm:prSet/>
+      <dgm:spPr/>
+      <dgm:t>
+        <a:bodyPr/>
+        <a:lstStyle/>
+        <a:p>
+          <a:endParaRPr lang="hu-HU"/>
+        </a:p>
+      </dgm:t>
+    </dgm:pt>
+    <dgm:pt modelId="{ACF5155D-4A03-4B38-9F52-CF9B3E5E0208}">
+      <dgm:prSet/>
+      <dgm:spPr/>
+      <dgm:t>
+        <a:bodyPr/>
+        <a:lstStyle/>
+        <a:p>
+          <a:r>
+            <a:rPr lang="hu-HU"/>
+            <a:t>Validációs loss</a:t>
+          </a:r>
+        </a:p>
+      </dgm:t>
+    </dgm:pt>
+    <dgm:pt modelId="{B5681378-B598-43D8-A397-9DCE820BC7B2}" type="parTrans" cxnId="{4471C10A-1399-4617-8353-6B856A8D79BF}">
+      <dgm:prSet/>
+      <dgm:spPr/>
+      <dgm:t>
+        <a:bodyPr/>
+        <a:lstStyle/>
+        <a:p>
+          <a:endParaRPr lang="hu-HU"/>
+        </a:p>
+      </dgm:t>
+    </dgm:pt>
+    <dgm:pt modelId="{309A913C-B7CA-408D-BC7D-F6C45F12D83C}" type="sibTrans" cxnId="{4471C10A-1399-4617-8353-6B856A8D79BF}">
+      <dgm:prSet/>
+      <dgm:spPr/>
+      <dgm:t>
+        <a:bodyPr/>
+        <a:lstStyle/>
+        <a:p>
+          <a:endParaRPr lang="hu-HU"/>
+        </a:p>
+      </dgm:t>
+    </dgm:pt>
+    <dgm:pt modelId="{A29FEECE-4635-4A35-BACA-D5ECADF858EA}">
+      <dgm:prSet/>
+      <dgm:spPr/>
+      <dgm:t>
+        <a:bodyPr/>
+        <a:lstStyle/>
+        <a:p>
+          <a:r>
+            <a:rPr lang="hu-HU"/>
+            <a:t>Tanítási loss</a:t>
+          </a:r>
+        </a:p>
+      </dgm:t>
+    </dgm:pt>
+    <dgm:pt modelId="{39224C28-57EA-4EF0-AAF5-98D7384F3E34}" type="parTrans" cxnId="{0FD6098A-6C3E-4C49-BC40-DCBA42D67F9B}">
+      <dgm:prSet/>
+      <dgm:spPr/>
+      <dgm:t>
+        <a:bodyPr/>
+        <a:lstStyle/>
+        <a:p>
+          <a:endParaRPr lang="hu-HU"/>
+        </a:p>
+      </dgm:t>
+    </dgm:pt>
+    <dgm:pt modelId="{19E6CE6E-D793-4ADE-B6DA-EEB06DD7D21B}" type="sibTrans" cxnId="{0FD6098A-6C3E-4C49-BC40-DCBA42D67F9B}">
+      <dgm:prSet/>
+      <dgm:spPr/>
+      <dgm:t>
+        <a:bodyPr/>
+        <a:lstStyle/>
+        <a:p>
+          <a:endParaRPr lang="hu-HU"/>
+        </a:p>
+      </dgm:t>
+    </dgm:pt>
+    <dgm:pt modelId="{BB3BAF74-1B94-4A4E-A391-F85012329759}" type="pres">
+      <dgm:prSet presAssocID="{1FEFA35A-2A56-4647-9EBB-281CD807813C}" presName="Name0" presStyleCnt="0">
+        <dgm:presLayoutVars>
+          <dgm:dir/>
+          <dgm:animLvl val="lvl"/>
+          <dgm:resizeHandles val="exact"/>
+        </dgm:presLayoutVars>
+      </dgm:prSet>
+      <dgm:spPr/>
+    </dgm:pt>
+    <dgm:pt modelId="{F088992E-6E87-45CD-B17C-4A2BD0177FAC}" type="pres">
+      <dgm:prSet presAssocID="{955454BB-863A-49FB-A932-CA0B8AA9D34F}" presName="linNode" presStyleCnt="0"/>
+      <dgm:spPr/>
+    </dgm:pt>
+    <dgm:pt modelId="{59B72038-CBFA-4C1E-B4F2-7C49AC3CA2D1}" type="pres">
+      <dgm:prSet presAssocID="{955454BB-863A-49FB-A932-CA0B8AA9D34F}" presName="parentText" presStyleLbl="node1" presStyleIdx="0" presStyleCnt="2">
+        <dgm:presLayoutVars>
+          <dgm:chMax val="1"/>
+          <dgm:bulletEnabled val="1"/>
+        </dgm:presLayoutVars>
+      </dgm:prSet>
+      <dgm:spPr/>
+    </dgm:pt>
+    <dgm:pt modelId="{B817B802-9889-4FF4-818B-D224E6C426BA}" type="pres">
+      <dgm:prSet presAssocID="{955454BB-863A-49FB-A932-CA0B8AA9D34F}" presName="descendantText" presStyleLbl="alignAccFollowNode1" presStyleIdx="0" presStyleCnt="2">
+        <dgm:presLayoutVars>
+          <dgm:bulletEnabled val="1"/>
+        </dgm:presLayoutVars>
+      </dgm:prSet>
+      <dgm:spPr/>
+    </dgm:pt>
+    <dgm:pt modelId="{12EAE762-8E19-482F-9C38-D86EFD0E6B8A}" type="pres">
+      <dgm:prSet presAssocID="{8E8C0FB7-8F98-4EA6-96A6-FEC35F1A9A94}" presName="sp" presStyleCnt="0"/>
+      <dgm:spPr/>
+    </dgm:pt>
+    <dgm:pt modelId="{49F1AB9A-48CA-4C33-B474-8CF4B64B4804}" type="pres">
+      <dgm:prSet presAssocID="{A1FA4A03-6927-4D84-A57E-73BCBF1E993A}" presName="linNode" presStyleCnt="0"/>
+      <dgm:spPr/>
+    </dgm:pt>
+    <dgm:pt modelId="{F58600A9-6F05-42B5-8508-86B23E398AA9}" type="pres">
+      <dgm:prSet presAssocID="{A1FA4A03-6927-4D84-A57E-73BCBF1E993A}" presName="parentText" presStyleLbl="node1" presStyleIdx="1" presStyleCnt="2">
+        <dgm:presLayoutVars>
+          <dgm:chMax val="1"/>
+          <dgm:bulletEnabled val="1"/>
+        </dgm:presLayoutVars>
+      </dgm:prSet>
+      <dgm:spPr/>
+    </dgm:pt>
+    <dgm:pt modelId="{F25C4FFF-1FE5-4217-9939-E87795EC2A5F}" type="pres">
+      <dgm:prSet presAssocID="{A1FA4A03-6927-4D84-A57E-73BCBF1E993A}" presName="descendantText" presStyleLbl="alignAccFollowNode1" presStyleIdx="1" presStyleCnt="2">
+        <dgm:presLayoutVars>
+          <dgm:bulletEnabled val="1"/>
+        </dgm:presLayoutVars>
+      </dgm:prSet>
+      <dgm:spPr/>
+    </dgm:pt>
+  </dgm:ptLst>
+  <dgm:cxnLst>
+    <dgm:cxn modelId="{4471C10A-1399-4617-8353-6B856A8D79BF}" srcId="{A1FA4A03-6927-4D84-A57E-73BCBF1E993A}" destId="{ACF5155D-4A03-4B38-9F52-CF9B3E5E0208}" srcOrd="1" destOrd="0" parTransId="{B5681378-B598-43D8-A397-9DCE820BC7B2}" sibTransId="{309A913C-B7CA-408D-BC7D-F6C45F12D83C}"/>
+    <dgm:cxn modelId="{60749A2B-0056-43E5-9550-2439E08BCA52}" srcId="{1FEFA35A-2A56-4647-9EBB-281CD807813C}" destId="{A1FA4A03-6927-4D84-A57E-73BCBF1E993A}" srcOrd="1" destOrd="0" parTransId="{27E400D7-22F0-4A4E-A949-91381000A087}" sibTransId="{57147946-AA57-43B3-B9C1-E221F4E1A13D}"/>
+    <dgm:cxn modelId="{49F44F30-6417-4D12-8F3E-27819F1B63C8}" srcId="{955454BB-863A-49FB-A932-CA0B8AA9D34F}" destId="{B996183D-667B-4A07-8775-C7F6DC7E4302}" srcOrd="2" destOrd="0" parTransId="{BF4BD499-61ED-412C-93EB-541B7BB51E93}" sibTransId="{DF57178B-4B22-4518-82D7-DF12FA393E97}"/>
+    <dgm:cxn modelId="{CC62F93B-10C3-4673-B963-B641F753B067}" srcId="{955454BB-863A-49FB-A932-CA0B8AA9D34F}" destId="{961203DF-D65F-4A48-B134-722AFC56722A}" srcOrd="4" destOrd="0" parTransId="{0D64A94F-D252-4CE0-B014-490C9E6F3882}" sibTransId="{7D80697F-3F49-4BB7-A733-24419EEB7056}"/>
+    <dgm:cxn modelId="{4383494B-D129-429E-AF1C-703387102112}" type="presOf" srcId="{B996183D-667B-4A07-8775-C7F6DC7E4302}" destId="{B817B802-9889-4FF4-818B-D224E6C426BA}" srcOrd="0" destOrd="2" presId="urn:microsoft.com/office/officeart/2005/8/layout/vList5"/>
+    <dgm:cxn modelId="{1A61B66D-F764-4DFF-931B-B7F8A6E48F7B}" srcId="{1FEFA35A-2A56-4647-9EBB-281CD807813C}" destId="{955454BB-863A-49FB-A932-CA0B8AA9D34F}" srcOrd="0" destOrd="0" parTransId="{A1999BD4-0FDE-4B32-A8CD-7BBA87C7BA8F}" sibTransId="{8E8C0FB7-8F98-4EA6-96A6-FEC35F1A9A94}"/>
+    <dgm:cxn modelId="{62C1A455-24C6-49F1-B652-FA4C4AB928FF}" type="presOf" srcId="{F2BA3C4B-303D-4F6D-9AA4-75F875C4B1F9}" destId="{B817B802-9889-4FF4-818B-D224E6C426BA}" srcOrd="0" destOrd="5" presId="urn:microsoft.com/office/officeart/2005/8/layout/vList5"/>
+    <dgm:cxn modelId="{363F8656-3696-4A02-9E6A-75DFC1BF3548}" srcId="{A1FA4A03-6927-4D84-A57E-73BCBF1E993A}" destId="{A5D79423-6BFD-4665-A1D4-7842D83E0FD9}" srcOrd="0" destOrd="0" parTransId="{4D21D911-663D-449D-A72B-2BA52B9114DE}" sibTransId="{2FFF4F3F-0084-4581-9529-218DE6CD7436}"/>
+    <dgm:cxn modelId="{473CD859-423C-4CEC-AAC1-0CAFED2A142E}" type="presOf" srcId="{A1FA4A03-6927-4D84-A57E-73BCBF1E993A}" destId="{F58600A9-6F05-42B5-8508-86B23E398AA9}" srcOrd="0" destOrd="0" presId="urn:microsoft.com/office/officeart/2005/8/layout/vList5"/>
+    <dgm:cxn modelId="{0FD6098A-6C3E-4C49-BC40-DCBA42D67F9B}" srcId="{A1FA4A03-6927-4D84-A57E-73BCBF1E993A}" destId="{A29FEECE-4635-4A35-BACA-D5ECADF858EA}" srcOrd="2" destOrd="0" parTransId="{39224C28-57EA-4EF0-AAF5-98D7384F3E34}" sibTransId="{19E6CE6E-D793-4ADE-B6DA-EEB06DD7D21B}"/>
+    <dgm:cxn modelId="{72E2DA92-D003-47BC-8D5E-84A2D6C116D9}" type="presOf" srcId="{92473216-08FC-446A-A105-D8D244AF065F}" destId="{B817B802-9889-4FF4-818B-D224E6C426BA}" srcOrd="0" destOrd="0" presId="urn:microsoft.com/office/officeart/2005/8/layout/vList5"/>
+    <dgm:cxn modelId="{9FCEA9A2-1D12-4155-9A59-C0D11CF42102}" type="presOf" srcId="{6B732870-3F0B-44B6-832D-6A18C754DE22}" destId="{B817B802-9889-4FF4-818B-D224E6C426BA}" srcOrd="0" destOrd="1" presId="urn:microsoft.com/office/officeart/2005/8/layout/vList5"/>
+    <dgm:cxn modelId="{F3BF90A6-6166-4277-A019-CD5AC296D28E}" type="presOf" srcId="{1B2243BA-0C98-48C1-916B-CC149E65FB9C}" destId="{B817B802-9889-4FF4-818B-D224E6C426BA}" srcOrd="0" destOrd="3" presId="urn:microsoft.com/office/officeart/2005/8/layout/vList5"/>
+    <dgm:cxn modelId="{5D743CA9-17F7-4F5F-A115-6D9AA4051342}" type="presOf" srcId="{A5D79423-6BFD-4665-A1D4-7842D83E0FD9}" destId="{F25C4FFF-1FE5-4217-9939-E87795EC2A5F}" srcOrd="0" destOrd="0" presId="urn:microsoft.com/office/officeart/2005/8/layout/vList5"/>
+    <dgm:cxn modelId="{AC692DB0-9AC0-4526-B362-0DBB628188C1}" srcId="{955454BB-863A-49FB-A932-CA0B8AA9D34F}" destId="{6B732870-3F0B-44B6-832D-6A18C754DE22}" srcOrd="1" destOrd="0" parTransId="{4DDAFD6B-F543-4033-AA37-3EDC8EF557FB}" sibTransId="{65C3E9D2-3B93-4E04-90B7-E725659300B4}"/>
+    <dgm:cxn modelId="{78E347C2-B799-4B4A-A549-E1CB409E8E99}" type="presOf" srcId="{1FEFA35A-2A56-4647-9EBB-281CD807813C}" destId="{BB3BAF74-1B94-4A4E-A391-F85012329759}" srcOrd="0" destOrd="0" presId="urn:microsoft.com/office/officeart/2005/8/layout/vList5"/>
+    <dgm:cxn modelId="{7BEABAD2-0DB7-4B75-97FC-0C7E2BDB6739}" type="presOf" srcId="{955454BB-863A-49FB-A932-CA0B8AA9D34F}" destId="{59B72038-CBFA-4C1E-B4F2-7C49AC3CA2D1}" srcOrd="0" destOrd="0" presId="urn:microsoft.com/office/officeart/2005/8/layout/vList5"/>
+    <dgm:cxn modelId="{FE3A11D5-91A5-4F91-B617-87E7ECCD345B}" type="presOf" srcId="{961203DF-D65F-4A48-B134-722AFC56722A}" destId="{B817B802-9889-4FF4-818B-D224E6C426BA}" srcOrd="0" destOrd="4" presId="urn:microsoft.com/office/officeart/2005/8/layout/vList5"/>
+    <dgm:cxn modelId="{7B7B97DF-58D4-4204-991E-3D6860BE4896}" srcId="{955454BB-863A-49FB-A932-CA0B8AA9D34F}" destId="{92473216-08FC-446A-A105-D8D244AF065F}" srcOrd="0" destOrd="0" parTransId="{7BF53466-7E79-48C4-91CB-883C7F0AAC86}" sibTransId="{07E9A7FD-A070-4F7C-BD22-00DDA6E6F12E}"/>
+    <dgm:cxn modelId="{E520AFE2-30ED-46D9-A913-15C50AABB5C9}" srcId="{955454BB-863A-49FB-A932-CA0B8AA9D34F}" destId="{1B2243BA-0C98-48C1-916B-CC149E65FB9C}" srcOrd="3" destOrd="0" parTransId="{D72BB3CF-7CA3-4193-9521-B9785618ECBE}" sibTransId="{DECCDB90-B90E-470A-A9A8-361E29294C8A}"/>
+    <dgm:cxn modelId="{48DD4DE7-411F-4453-92F9-CD6ECEB74117}" type="presOf" srcId="{A29FEECE-4635-4A35-BACA-D5ECADF858EA}" destId="{F25C4FFF-1FE5-4217-9939-E87795EC2A5F}" srcOrd="0" destOrd="2" presId="urn:microsoft.com/office/officeart/2005/8/layout/vList5"/>
+    <dgm:cxn modelId="{43B1C2F5-C00D-4A21-9705-8F428DD95773}" type="presOf" srcId="{ACF5155D-4A03-4B38-9F52-CF9B3E5E0208}" destId="{F25C4FFF-1FE5-4217-9939-E87795EC2A5F}" srcOrd="0" destOrd="1" presId="urn:microsoft.com/office/officeart/2005/8/layout/vList5"/>
+    <dgm:cxn modelId="{612755FD-3440-4D26-B59F-33EED0A3E3D8}" srcId="{955454BB-863A-49FB-A932-CA0B8AA9D34F}" destId="{F2BA3C4B-303D-4F6D-9AA4-75F875C4B1F9}" srcOrd="5" destOrd="0" parTransId="{1ED774F9-F5CF-42C0-A1A6-88ABC9CCBB32}" sibTransId="{381C2A9A-4E66-4678-99B1-107CDFDDF4A8}"/>
+    <dgm:cxn modelId="{2BF2578C-544B-4668-AD52-FAEFDBE7C17E}" type="presParOf" srcId="{BB3BAF74-1B94-4A4E-A391-F85012329759}" destId="{F088992E-6E87-45CD-B17C-4A2BD0177FAC}" srcOrd="0" destOrd="0" presId="urn:microsoft.com/office/officeart/2005/8/layout/vList5"/>
+    <dgm:cxn modelId="{8748817C-2ED9-40AA-84CE-79ACFDC9EFB9}" type="presParOf" srcId="{F088992E-6E87-45CD-B17C-4A2BD0177FAC}" destId="{59B72038-CBFA-4C1E-B4F2-7C49AC3CA2D1}" srcOrd="0" destOrd="0" presId="urn:microsoft.com/office/officeart/2005/8/layout/vList5"/>
+    <dgm:cxn modelId="{78AEBFCD-62D0-4C0E-BCB3-8193EBC456C9}" type="presParOf" srcId="{F088992E-6E87-45CD-B17C-4A2BD0177FAC}" destId="{B817B802-9889-4FF4-818B-D224E6C426BA}" srcOrd="1" destOrd="0" presId="urn:microsoft.com/office/officeart/2005/8/layout/vList5"/>
+    <dgm:cxn modelId="{EDE7CD11-B8CC-445A-960E-C29515E0853B}" type="presParOf" srcId="{BB3BAF74-1B94-4A4E-A391-F85012329759}" destId="{12EAE762-8E19-482F-9C38-D86EFD0E6B8A}" srcOrd="1" destOrd="0" presId="urn:microsoft.com/office/officeart/2005/8/layout/vList5"/>
+    <dgm:cxn modelId="{AF8B0CE2-F929-4546-A479-A99A4BEC03C3}" type="presParOf" srcId="{BB3BAF74-1B94-4A4E-A391-F85012329759}" destId="{49F1AB9A-48CA-4C33-B474-8CF4B64B4804}" srcOrd="2" destOrd="0" presId="urn:microsoft.com/office/officeart/2005/8/layout/vList5"/>
+    <dgm:cxn modelId="{F89B7EB5-8E82-409F-AC72-49DF6C3D04BB}" type="presParOf" srcId="{49F1AB9A-48CA-4C33-B474-8CF4B64B4804}" destId="{F58600A9-6F05-42B5-8508-86B23E398AA9}" srcOrd="0" destOrd="0" presId="urn:microsoft.com/office/officeart/2005/8/layout/vList5"/>
+    <dgm:cxn modelId="{BC9B1EAA-CD4C-407E-9831-7A8670F72390}" type="presParOf" srcId="{49F1AB9A-48CA-4C33-B474-8CF4B64B4804}" destId="{F25C4FFF-1FE5-4217-9939-E87795EC2A5F}" srcOrd="1" destOrd="0" presId="urn:microsoft.com/office/officeart/2005/8/layout/vList5"/>
+  </dgm:cxnLst>
+  <dgm:bg/>
+  <dgm:whole/>
+  <dgm:extLst>
+    <a:ext uri="http://schemas.microsoft.com/office/drawing/2008/diagram">
+      <dsp:dataModelExt xmlns:dsp="http://schemas.microsoft.com/office/drawing/2008/diagram" relId="rId6" minVer="http://schemas.openxmlformats.org/drawingml/2006/diagram"/>
     </a:ext>
   </dgm:extLst>
 </dgm:dataModel>
@@ -1078,6 +2336,456 @@
       <dsp:txXfrm>
         <a:off x="23988" y="39054"/>
         <a:ext cx="2142583" cy="443423"/>
+      </dsp:txXfrm>
+    </dsp:sp>
+  </dsp:spTree>
+</dsp:drawing>
+</file>
+
+<file path=ppt/diagrams/drawing2.xml><?xml version="1.0" encoding="utf-8"?>
+<dsp:drawing xmlns:dgm="http://schemas.openxmlformats.org/drawingml/2006/diagram" xmlns:dsp="http://schemas.microsoft.com/office/drawing/2008/diagram" xmlns:a="http://schemas.openxmlformats.org/drawingml/2006/main">
+  <dsp:spTree>
+    <dsp:nvGrpSpPr>
+      <dsp:cNvPr id="0" name=""/>
+      <dsp:cNvGrpSpPr/>
+    </dsp:nvGrpSpPr>
+    <dsp:grpSpPr/>
+    <dsp:sp modelId="{B817B802-9889-4FF4-818B-D224E6C426BA}">
+      <dsp:nvSpPr>
+        <dsp:cNvPr id="0" name=""/>
+        <dsp:cNvSpPr/>
+      </dsp:nvSpPr>
+      <dsp:spPr>
+        <a:xfrm rot="5400000">
+          <a:off x="2598247" y="-540392"/>
+          <a:ext cx="1750698" cy="3269267"/>
+        </a:xfrm>
+        <a:prstGeom prst="round2SameRect">
+          <a:avLst/>
+        </a:prstGeom>
+        <a:solidFill>
+          <a:schemeClr val="accent1">
+            <a:alpha val="90000"/>
+            <a:tint val="40000"/>
+            <a:hueOff val="0"/>
+            <a:satOff val="0"/>
+            <a:lumOff val="0"/>
+            <a:alphaOff val="0"/>
+          </a:schemeClr>
+        </a:solidFill>
+        <a:ln w="22225" cap="rnd" cmpd="sng" algn="ctr">
+          <a:solidFill>
+            <a:schemeClr val="accent1">
+              <a:alpha val="90000"/>
+              <a:tint val="40000"/>
+              <a:hueOff val="0"/>
+              <a:satOff val="0"/>
+              <a:lumOff val="0"/>
+              <a:alphaOff val="0"/>
+            </a:schemeClr>
+          </a:solidFill>
+          <a:prstDash val="solid"/>
+        </a:ln>
+        <a:effectLst/>
+      </dsp:spPr>
+      <dsp:style>
+        <a:lnRef idx="2">
+          <a:scrgbClr r="0" g="0" b="0"/>
+        </a:lnRef>
+        <a:fillRef idx="1">
+          <a:scrgbClr r="0" g="0" b="0"/>
+        </a:fillRef>
+        <a:effectRef idx="0">
+          <a:scrgbClr r="0" g="0" b="0"/>
+        </a:effectRef>
+        <a:fontRef idx="minor"/>
+      </dsp:style>
+      <dsp:txBody>
+        <a:bodyPr spcFirstLastPara="0" vert="horz" wrap="square" lIns="60960" tIns="30480" rIns="60960" bIns="30480" numCol="1" spcCol="1270" anchor="ctr" anchorCtr="0">
+          <a:noAutofit/>
+        </a:bodyPr>
+        <a:lstStyle/>
+        <a:p>
+          <a:pPr marL="171450" lvl="1" indent="-171450" algn="l" defTabSz="711200">
+            <a:lnSpc>
+              <a:spcPct val="90000"/>
+            </a:lnSpc>
+            <a:spcBef>
+              <a:spcPct val="0"/>
+            </a:spcBef>
+            <a:spcAft>
+              <a:spcPct val="15000"/>
+            </a:spcAft>
+            <a:buChar char="•"/>
+          </a:pPr>
+          <a:r>
+            <a:rPr lang="hu-HU" sz="1600" kern="1200"/>
+            <a:t>Iterációszám: 1000</a:t>
+          </a:r>
+        </a:p>
+        <a:p>
+          <a:pPr marL="171450" lvl="1" indent="-171450" algn="l" defTabSz="711200">
+            <a:lnSpc>
+              <a:spcPct val="90000"/>
+            </a:lnSpc>
+            <a:spcBef>
+              <a:spcPct val="0"/>
+            </a:spcBef>
+            <a:spcAft>
+              <a:spcPct val="15000"/>
+            </a:spcAft>
+            <a:buChar char="•"/>
+          </a:pPr>
+          <a:r>
+            <a:rPr lang="hu-HU" sz="1600" kern="1200"/>
+            <a:t>Epoch: 100</a:t>
+          </a:r>
+        </a:p>
+        <a:p>
+          <a:pPr marL="171450" lvl="1" indent="-171450" algn="l" defTabSz="711200">
+            <a:lnSpc>
+              <a:spcPct val="90000"/>
+            </a:lnSpc>
+            <a:spcBef>
+              <a:spcPct val="0"/>
+            </a:spcBef>
+            <a:spcAft>
+              <a:spcPct val="15000"/>
+            </a:spcAft>
+            <a:buChar char="•"/>
+          </a:pPr>
+          <a:r>
+            <a:rPr lang="hu-HU" sz="1600" kern="1200"/>
+            <a:t>Csatorna-multiplikátor: 1,2,2,4</a:t>
+          </a:r>
+        </a:p>
+        <a:p>
+          <a:pPr marL="171450" lvl="1" indent="-171450" algn="l" defTabSz="711200">
+            <a:lnSpc>
+              <a:spcPct val="90000"/>
+            </a:lnSpc>
+            <a:spcBef>
+              <a:spcPct val="0"/>
+            </a:spcBef>
+            <a:spcAft>
+              <a:spcPct val="15000"/>
+            </a:spcAft>
+            <a:buChar char="•"/>
+          </a:pPr>
+          <a:r>
+            <a:rPr lang="hu-HU" sz="1600" kern="1200"/>
+            <a:t>Attention: H, H, I, I</a:t>
+          </a:r>
+        </a:p>
+        <a:p>
+          <a:pPr marL="171450" lvl="1" indent="-171450" algn="l" defTabSz="711200">
+            <a:lnSpc>
+              <a:spcPct val="90000"/>
+            </a:lnSpc>
+            <a:spcBef>
+              <a:spcPct val="0"/>
+            </a:spcBef>
+            <a:spcAft>
+              <a:spcPct val="15000"/>
+            </a:spcAft>
+            <a:buChar char="•"/>
+          </a:pPr>
+          <a:r>
+            <a:rPr lang="hu-HU" sz="1600" kern="1200"/>
+            <a:t>Learning rate: 0.00002</a:t>
+          </a:r>
+        </a:p>
+        <a:p>
+          <a:pPr marL="171450" lvl="1" indent="-171450" algn="l" defTabSz="711200">
+            <a:lnSpc>
+              <a:spcPct val="90000"/>
+            </a:lnSpc>
+            <a:spcBef>
+              <a:spcPct val="0"/>
+            </a:spcBef>
+            <a:spcAft>
+              <a:spcPct val="15000"/>
+            </a:spcAft>
+            <a:buChar char="•"/>
+          </a:pPr>
+          <a:r>
+            <a:rPr lang="hu-HU" sz="1600" kern="1200" dirty="0"/>
+            <a:t>Batch méret: 256</a:t>
+          </a:r>
+        </a:p>
+      </dsp:txBody>
+      <dsp:txXfrm rot="-5400000">
+        <a:off x="1838963" y="304354"/>
+        <a:ext cx="3183805" cy="1579774"/>
+      </dsp:txXfrm>
+    </dsp:sp>
+    <dsp:sp modelId="{59B72038-CBFA-4C1E-B4F2-7C49AC3CA2D1}">
+      <dsp:nvSpPr>
+        <dsp:cNvPr id="0" name=""/>
+        <dsp:cNvSpPr/>
+      </dsp:nvSpPr>
+      <dsp:spPr>
+        <a:xfrm>
+          <a:off x="0" y="54"/>
+          <a:ext cx="1838963" cy="2188373"/>
+        </a:xfrm>
+        <a:prstGeom prst="roundRect">
+          <a:avLst/>
+        </a:prstGeom>
+        <a:solidFill>
+          <a:schemeClr val="accent1">
+            <a:hueOff val="0"/>
+            <a:satOff val="0"/>
+            <a:lumOff val="0"/>
+            <a:alphaOff val="0"/>
+          </a:schemeClr>
+        </a:solidFill>
+        <a:ln w="22225" cap="rnd" cmpd="sng" algn="ctr">
+          <a:solidFill>
+            <a:schemeClr val="lt1">
+              <a:hueOff val="0"/>
+              <a:satOff val="0"/>
+              <a:lumOff val="0"/>
+              <a:alphaOff val="0"/>
+            </a:schemeClr>
+          </a:solidFill>
+          <a:prstDash val="solid"/>
+        </a:ln>
+        <a:effectLst/>
+      </dsp:spPr>
+      <dsp:style>
+        <a:lnRef idx="2">
+          <a:scrgbClr r="0" g="0" b="0"/>
+        </a:lnRef>
+        <a:fillRef idx="1">
+          <a:scrgbClr r="0" g="0" b="0"/>
+        </a:fillRef>
+        <a:effectRef idx="0">
+          <a:scrgbClr r="0" g="0" b="0"/>
+        </a:effectRef>
+        <a:fontRef idx="minor">
+          <a:schemeClr val="lt1"/>
+        </a:fontRef>
+      </dsp:style>
+      <dsp:txBody>
+        <a:bodyPr spcFirstLastPara="0" vert="horz" wrap="square" lIns="83820" tIns="41910" rIns="83820" bIns="41910" numCol="1" spcCol="1270" anchor="ctr" anchorCtr="0">
+          <a:noAutofit/>
+        </a:bodyPr>
+        <a:lstStyle/>
+        <a:p>
+          <a:pPr marL="0" lvl="0" indent="0" algn="ctr" defTabSz="977900">
+            <a:lnSpc>
+              <a:spcPct val="90000"/>
+            </a:lnSpc>
+            <a:spcBef>
+              <a:spcPct val="0"/>
+            </a:spcBef>
+            <a:spcAft>
+              <a:spcPct val="35000"/>
+            </a:spcAft>
+            <a:buNone/>
+          </a:pPr>
+          <a:r>
+            <a:rPr lang="hu-HU" sz="2200" kern="1200" dirty="0"/>
+            <a:t>Paraméterek</a:t>
+          </a:r>
+        </a:p>
+      </dsp:txBody>
+      <dsp:txXfrm>
+        <a:off x="89771" y="89825"/>
+        <a:ext cx="1659421" cy="2008831"/>
+      </dsp:txXfrm>
+    </dsp:sp>
+    <dsp:sp modelId="{F25C4FFF-1FE5-4217-9939-E87795EC2A5F}">
+      <dsp:nvSpPr>
+        <dsp:cNvPr id="0" name=""/>
+        <dsp:cNvSpPr/>
+      </dsp:nvSpPr>
+      <dsp:spPr>
+        <a:xfrm rot="5400000">
+          <a:off x="2598247" y="1757399"/>
+          <a:ext cx="1750698" cy="3269267"/>
+        </a:xfrm>
+        <a:prstGeom prst="round2SameRect">
+          <a:avLst/>
+        </a:prstGeom>
+        <a:solidFill>
+          <a:schemeClr val="accent1">
+            <a:alpha val="90000"/>
+            <a:tint val="40000"/>
+            <a:hueOff val="0"/>
+            <a:satOff val="0"/>
+            <a:lumOff val="0"/>
+            <a:alphaOff val="0"/>
+          </a:schemeClr>
+        </a:solidFill>
+        <a:ln w="22225" cap="rnd" cmpd="sng" algn="ctr">
+          <a:solidFill>
+            <a:schemeClr val="accent1">
+              <a:alpha val="90000"/>
+              <a:tint val="40000"/>
+              <a:hueOff val="0"/>
+              <a:satOff val="0"/>
+              <a:lumOff val="0"/>
+              <a:alphaOff val="0"/>
+            </a:schemeClr>
+          </a:solidFill>
+          <a:prstDash val="solid"/>
+        </a:ln>
+        <a:effectLst/>
+      </dsp:spPr>
+      <dsp:style>
+        <a:lnRef idx="2">
+          <a:scrgbClr r="0" g="0" b="0"/>
+        </a:lnRef>
+        <a:fillRef idx="1">
+          <a:scrgbClr r="0" g="0" b="0"/>
+        </a:fillRef>
+        <a:effectRef idx="0">
+          <a:scrgbClr r="0" g="0" b="0"/>
+        </a:effectRef>
+        <a:fontRef idx="minor"/>
+      </dsp:style>
+      <dsp:txBody>
+        <a:bodyPr spcFirstLastPara="0" vert="horz" wrap="square" lIns="60960" tIns="30480" rIns="60960" bIns="30480" numCol="1" spcCol="1270" anchor="ctr" anchorCtr="0">
+          <a:noAutofit/>
+        </a:bodyPr>
+        <a:lstStyle/>
+        <a:p>
+          <a:pPr marL="171450" lvl="1" indent="-171450" algn="l" defTabSz="711200">
+            <a:lnSpc>
+              <a:spcPct val="90000"/>
+            </a:lnSpc>
+            <a:spcBef>
+              <a:spcPct val="0"/>
+            </a:spcBef>
+            <a:spcAft>
+              <a:spcPct val="15000"/>
+            </a:spcAft>
+            <a:buChar char="•"/>
+          </a:pPr>
+          <a:r>
+            <a:rPr lang="hu-HU" sz="1600" kern="1200"/>
+            <a:t>FID érték</a:t>
+          </a:r>
+        </a:p>
+        <a:p>
+          <a:pPr marL="171450" lvl="1" indent="-171450" algn="l" defTabSz="711200">
+            <a:lnSpc>
+              <a:spcPct val="90000"/>
+            </a:lnSpc>
+            <a:spcBef>
+              <a:spcPct val="0"/>
+            </a:spcBef>
+            <a:spcAft>
+              <a:spcPct val="15000"/>
+            </a:spcAft>
+            <a:buChar char="•"/>
+          </a:pPr>
+          <a:r>
+            <a:rPr lang="hu-HU" sz="1600" kern="1200"/>
+            <a:t>Validációs loss</a:t>
+          </a:r>
+        </a:p>
+        <a:p>
+          <a:pPr marL="171450" lvl="1" indent="-171450" algn="l" defTabSz="711200">
+            <a:lnSpc>
+              <a:spcPct val="90000"/>
+            </a:lnSpc>
+            <a:spcBef>
+              <a:spcPct val="0"/>
+            </a:spcBef>
+            <a:spcAft>
+              <a:spcPct val="15000"/>
+            </a:spcAft>
+            <a:buChar char="•"/>
+          </a:pPr>
+          <a:r>
+            <a:rPr lang="hu-HU" sz="1600" kern="1200"/>
+            <a:t>Tanítási loss</a:t>
+          </a:r>
+        </a:p>
+      </dsp:txBody>
+      <dsp:txXfrm rot="-5400000">
+        <a:off x="1838963" y="2602145"/>
+        <a:ext cx="3183805" cy="1579774"/>
+      </dsp:txXfrm>
+    </dsp:sp>
+    <dsp:sp modelId="{F58600A9-6F05-42B5-8508-86B23E398AA9}">
+      <dsp:nvSpPr>
+        <dsp:cNvPr id="0" name=""/>
+        <dsp:cNvSpPr/>
+      </dsp:nvSpPr>
+      <dsp:spPr>
+        <a:xfrm>
+          <a:off x="0" y="2297846"/>
+          <a:ext cx="1838963" cy="2188373"/>
+        </a:xfrm>
+        <a:prstGeom prst="roundRect">
+          <a:avLst/>
+        </a:prstGeom>
+        <a:solidFill>
+          <a:schemeClr val="accent1">
+            <a:hueOff val="0"/>
+            <a:satOff val="0"/>
+            <a:lumOff val="0"/>
+            <a:alphaOff val="0"/>
+          </a:schemeClr>
+        </a:solidFill>
+        <a:ln w="22225" cap="rnd" cmpd="sng" algn="ctr">
+          <a:solidFill>
+            <a:schemeClr val="lt1">
+              <a:hueOff val="0"/>
+              <a:satOff val="0"/>
+              <a:lumOff val="0"/>
+              <a:alphaOff val="0"/>
+            </a:schemeClr>
+          </a:solidFill>
+          <a:prstDash val="solid"/>
+        </a:ln>
+        <a:effectLst/>
+      </dsp:spPr>
+      <dsp:style>
+        <a:lnRef idx="2">
+          <a:scrgbClr r="0" g="0" b="0"/>
+        </a:lnRef>
+        <a:fillRef idx="1">
+          <a:scrgbClr r="0" g="0" b="0"/>
+        </a:fillRef>
+        <a:effectRef idx="0">
+          <a:scrgbClr r="0" g="0" b="0"/>
+        </a:effectRef>
+        <a:fontRef idx="minor">
+          <a:schemeClr val="lt1"/>
+        </a:fontRef>
+      </dsp:style>
+      <dsp:txBody>
+        <a:bodyPr spcFirstLastPara="0" vert="horz" wrap="square" lIns="83820" tIns="41910" rIns="83820" bIns="41910" numCol="1" spcCol="1270" anchor="ctr" anchorCtr="0">
+          <a:noAutofit/>
+        </a:bodyPr>
+        <a:lstStyle/>
+        <a:p>
+          <a:pPr marL="0" lvl="0" indent="0" algn="ctr" defTabSz="977900">
+            <a:lnSpc>
+              <a:spcPct val="90000"/>
+            </a:lnSpc>
+            <a:spcBef>
+              <a:spcPct val="0"/>
+            </a:spcBef>
+            <a:spcAft>
+              <a:spcPct val="35000"/>
+            </a:spcAft>
+            <a:buNone/>
+          </a:pPr>
+          <a:r>
+            <a:rPr lang="hu-HU" sz="2200" kern="1200"/>
+            <a:t>Metrikák</a:t>
+          </a:r>
+        </a:p>
+      </dsp:txBody>
+      <dsp:txXfrm>
+        <a:off x="89771" y="2387617"/>
+        <a:ext cx="1659421" cy="2008831"/>
       </dsp:txXfrm>
     </dsp:sp>
   </dsp:spTree>
@@ -1251,7 +2959,1274 @@
 </dgm:layoutDef>
 </file>
 
+<file path=ppt/diagrams/layout2.xml><?xml version="1.0" encoding="utf-8"?>
+<dgm:layoutDef xmlns:dgm="http://schemas.openxmlformats.org/drawingml/2006/diagram" xmlns:a="http://schemas.openxmlformats.org/drawingml/2006/main" uniqueId="urn:microsoft.com/office/officeart/2005/8/layout/vList5">
+  <dgm:title val=""/>
+  <dgm:desc val=""/>
+  <dgm:catLst>
+    <dgm:cat type="list" pri="15000"/>
+    <dgm:cat type="convert" pri="2000"/>
+  </dgm:catLst>
+  <dgm:sampData>
+    <dgm:dataModel>
+      <dgm:ptLst>
+        <dgm:pt modelId="0" type="doc"/>
+        <dgm:pt modelId="1">
+          <dgm:prSet phldr="1"/>
+        </dgm:pt>
+        <dgm:pt modelId="11">
+          <dgm:prSet phldr="1"/>
+        </dgm:pt>
+        <dgm:pt modelId="12">
+          <dgm:prSet phldr="1"/>
+        </dgm:pt>
+        <dgm:pt modelId="2">
+          <dgm:prSet phldr="1"/>
+        </dgm:pt>
+        <dgm:pt modelId="21">
+          <dgm:prSet phldr="1"/>
+        </dgm:pt>
+        <dgm:pt modelId="22">
+          <dgm:prSet phldr="1"/>
+        </dgm:pt>
+        <dgm:pt modelId="3">
+          <dgm:prSet phldr="1"/>
+        </dgm:pt>
+        <dgm:pt modelId="31">
+          <dgm:prSet phldr="1"/>
+        </dgm:pt>
+        <dgm:pt modelId="32">
+          <dgm:prSet phldr="1"/>
+        </dgm:pt>
+      </dgm:ptLst>
+      <dgm:cxnLst>
+        <dgm:cxn modelId="4" srcId="0" destId="1" srcOrd="0" destOrd="0"/>
+        <dgm:cxn modelId="5" srcId="0" destId="2" srcOrd="1" destOrd="0"/>
+        <dgm:cxn modelId="6" srcId="0" destId="3" srcOrd="2" destOrd="0"/>
+        <dgm:cxn modelId="13" srcId="1" destId="11" srcOrd="0" destOrd="0"/>
+        <dgm:cxn modelId="14" srcId="1" destId="12" srcOrd="1" destOrd="0"/>
+        <dgm:cxn modelId="23" srcId="2" destId="21" srcOrd="0" destOrd="0"/>
+        <dgm:cxn modelId="24" srcId="2" destId="22" srcOrd="1" destOrd="0"/>
+        <dgm:cxn modelId="33" srcId="3" destId="31" srcOrd="0" destOrd="0"/>
+        <dgm:cxn modelId="34" srcId="3" destId="32" srcOrd="1" destOrd="0"/>
+      </dgm:cxnLst>
+      <dgm:bg/>
+      <dgm:whole/>
+    </dgm:dataModel>
+  </dgm:sampData>
+  <dgm:styleData>
+    <dgm:dataModel>
+      <dgm:ptLst>
+        <dgm:pt modelId="0" type="doc"/>
+        <dgm:pt modelId="1"/>
+        <dgm:pt modelId="11"/>
+        <dgm:pt modelId="2"/>
+        <dgm:pt modelId="21"/>
+      </dgm:ptLst>
+      <dgm:cxnLst>
+        <dgm:cxn modelId="4" srcId="0" destId="1" srcOrd="0" destOrd="0"/>
+        <dgm:cxn modelId="5" srcId="0" destId="2" srcOrd="1" destOrd="0"/>
+        <dgm:cxn modelId="13" srcId="1" destId="11" srcOrd="0" destOrd="0"/>
+        <dgm:cxn modelId="23" srcId="2" destId="21" srcOrd="0" destOrd="0"/>
+      </dgm:cxnLst>
+      <dgm:bg/>
+      <dgm:whole/>
+    </dgm:dataModel>
+  </dgm:styleData>
+  <dgm:clrData>
+    <dgm:dataModel>
+      <dgm:ptLst>
+        <dgm:pt modelId="0" type="doc"/>
+        <dgm:pt modelId="1"/>
+        <dgm:pt modelId="11"/>
+        <dgm:pt modelId="2"/>
+        <dgm:pt modelId="21"/>
+        <dgm:pt modelId="3"/>
+        <dgm:pt modelId="31"/>
+        <dgm:pt modelId="4"/>
+        <dgm:pt modelId="41"/>
+      </dgm:ptLst>
+      <dgm:cxnLst>
+        <dgm:cxn modelId="5" srcId="0" destId="1" srcOrd="0" destOrd="0"/>
+        <dgm:cxn modelId="6" srcId="0" destId="2" srcOrd="1" destOrd="0"/>
+        <dgm:cxn modelId="7" srcId="0" destId="3" srcOrd="2" destOrd="0"/>
+        <dgm:cxn modelId="8" srcId="0" destId="4" srcOrd="3" destOrd="0"/>
+        <dgm:cxn modelId="13" srcId="1" destId="11" srcOrd="0" destOrd="0"/>
+        <dgm:cxn modelId="23" srcId="2" destId="21" srcOrd="0" destOrd="0"/>
+        <dgm:cxn modelId="33" srcId="3" destId="31" srcOrd="0" destOrd="0"/>
+        <dgm:cxn modelId="43" srcId="4" destId="41" srcOrd="0" destOrd="0"/>
+      </dgm:cxnLst>
+      <dgm:bg/>
+      <dgm:whole/>
+    </dgm:dataModel>
+  </dgm:clrData>
+  <dgm:layoutNode name="Name0">
+    <dgm:varLst>
+      <dgm:dir/>
+      <dgm:animLvl val="lvl"/>
+      <dgm:resizeHandles val="exact"/>
+    </dgm:varLst>
+    <dgm:choose name="Name1">
+      <dgm:if name="Name2" func="var" arg="dir" op="equ" val="norm">
+        <dgm:alg type="lin">
+          <dgm:param type="linDir" val="fromT"/>
+          <dgm:param type="nodeHorzAlign" val="l"/>
+        </dgm:alg>
+      </dgm:if>
+      <dgm:else name="Name3">
+        <dgm:alg type="lin">
+          <dgm:param type="linDir" val="fromT"/>
+          <dgm:param type="nodeHorzAlign" val="r"/>
+        </dgm:alg>
+      </dgm:else>
+    </dgm:choose>
+    <dgm:shape xmlns:r="http://schemas.openxmlformats.org/officeDocument/2006/relationships" r:blip="">
+      <dgm:adjLst/>
+    </dgm:shape>
+    <dgm:presOf/>
+    <dgm:constrLst>
+      <dgm:constr type="h" for="ch" forName="linNode" refType="h"/>
+      <dgm:constr type="w" for="ch" forName="linNode" refType="w"/>
+      <dgm:constr type="h" for="ch" forName="sp" refType="h" fact="0.05"/>
+      <dgm:constr type="primFontSz" for="des" forName="parentText" op="equ" val="65"/>
+      <dgm:constr type="secFontSz" for="des" forName="descendantText" op="equ"/>
+    </dgm:constrLst>
+    <dgm:ruleLst/>
+    <dgm:forEach name="Name4" axis="ch" ptType="node">
+      <dgm:layoutNode name="linNode">
+        <dgm:choose name="Name5">
+          <dgm:if name="Name6" func="var" arg="dir" op="equ" val="norm">
+            <dgm:alg type="lin">
+              <dgm:param type="linDir" val="fromL"/>
+            </dgm:alg>
+          </dgm:if>
+          <dgm:else name="Name7">
+            <dgm:alg type="lin">
+              <dgm:param type="linDir" val="fromR"/>
+            </dgm:alg>
+          </dgm:else>
+        </dgm:choose>
+        <dgm:shape xmlns:r="http://schemas.openxmlformats.org/officeDocument/2006/relationships" r:blip="">
+          <dgm:adjLst/>
+        </dgm:shape>
+        <dgm:presOf/>
+        <dgm:constrLst>
+          <dgm:constr type="w" for="ch" forName="parentText" refType="w" fact="0.36"/>
+          <dgm:constr type="w" for="ch" forName="descendantText" refType="w" fact="0.64"/>
+          <dgm:constr type="h" for="ch" forName="parentText" refType="h"/>
+          <dgm:constr type="h" for="ch" forName="descendantText" refType="h" refFor="ch" refForName="parentText" fact="0.8"/>
+        </dgm:constrLst>
+        <dgm:ruleLst/>
+        <dgm:layoutNode name="parentText">
+          <dgm:varLst>
+            <dgm:chMax val="1"/>
+            <dgm:bulletEnabled val="1"/>
+          </dgm:varLst>
+          <dgm:alg type="tx"/>
+          <dgm:shape xmlns:r="http://schemas.openxmlformats.org/officeDocument/2006/relationships" type="roundRect" r:blip="" zOrderOff="3">
+            <dgm:adjLst/>
+          </dgm:shape>
+          <dgm:presOf axis="self" ptType="node"/>
+          <dgm:constrLst>
+            <dgm:constr type="tMarg" refType="primFontSz" fact="0.15"/>
+            <dgm:constr type="bMarg" refType="primFontSz" fact="0.15"/>
+            <dgm:constr type="lMarg" refType="primFontSz" fact="0.3"/>
+            <dgm:constr type="rMarg" refType="primFontSz" fact="0.3"/>
+          </dgm:constrLst>
+          <dgm:ruleLst>
+            <dgm:rule type="primFontSz" val="5" fact="NaN" max="NaN"/>
+          </dgm:ruleLst>
+        </dgm:layoutNode>
+        <dgm:choose name="Name8">
+          <dgm:if name="Name9" axis="ch" ptType="node" func="cnt" op="gte" val="1">
+            <dgm:layoutNode name="descendantText" styleLbl="alignAccFollowNode1">
+              <dgm:varLst>
+                <dgm:bulletEnabled val="1"/>
+              </dgm:varLst>
+              <dgm:alg type="tx">
+                <dgm:param type="stBulletLvl" val="1"/>
+                <dgm:param type="txAnchorVertCh" val="mid"/>
+              </dgm:alg>
+              <dgm:choose name="Name10">
+                <dgm:if name="Name11" func="var" arg="dir" op="equ" val="norm">
+                  <dgm:shape xmlns:r="http://schemas.openxmlformats.org/officeDocument/2006/relationships" rot="90" type="round2SameRect" r:blip="">
+                    <dgm:adjLst/>
+                  </dgm:shape>
+                </dgm:if>
+                <dgm:else name="Name12">
+                  <dgm:shape xmlns:r="http://schemas.openxmlformats.org/officeDocument/2006/relationships" rot="-90" type="round2SameRect" r:blip="">
+                    <dgm:adjLst/>
+                  </dgm:shape>
+                </dgm:else>
+              </dgm:choose>
+              <dgm:presOf axis="des" ptType="node"/>
+              <dgm:constrLst>
+                <dgm:constr type="secFontSz" val="65"/>
+                <dgm:constr type="primFontSz" refType="secFontSz"/>
+                <dgm:constr type="lMarg" refType="secFontSz" fact="0.3"/>
+                <dgm:constr type="rMarg" refType="secFontSz" fact="0.3"/>
+                <dgm:constr type="tMarg" refType="secFontSz" fact="0.15"/>
+                <dgm:constr type="bMarg" refType="secFontSz" fact="0.15"/>
+              </dgm:constrLst>
+              <dgm:ruleLst>
+                <dgm:rule type="secFontSz" val="5" fact="NaN" max="NaN"/>
+              </dgm:ruleLst>
+            </dgm:layoutNode>
+          </dgm:if>
+          <dgm:else name="Name13"/>
+        </dgm:choose>
+      </dgm:layoutNode>
+      <dgm:forEach name="Name14" axis="followSib" ptType="sibTrans" cnt="1">
+        <dgm:layoutNode name="sp">
+          <dgm:alg type="sp"/>
+          <dgm:shape xmlns:r="http://schemas.openxmlformats.org/officeDocument/2006/relationships" r:blip="">
+            <dgm:adjLst/>
+          </dgm:shape>
+          <dgm:presOf/>
+          <dgm:constrLst/>
+          <dgm:ruleLst/>
+        </dgm:layoutNode>
+      </dgm:forEach>
+    </dgm:forEach>
+  </dgm:layoutNode>
+</dgm:layoutDef>
+</file>
+
 <file path=ppt/diagrams/quickStyle1.xml><?xml version="1.0" encoding="utf-8"?>
+<dgm:styleDef xmlns:dgm="http://schemas.openxmlformats.org/drawingml/2006/diagram" xmlns:a="http://schemas.openxmlformats.org/drawingml/2006/main" uniqueId="urn:microsoft.com/office/officeart/2005/8/quickstyle/simple1">
+  <dgm:title val=""/>
+  <dgm:desc val=""/>
+  <dgm:catLst>
+    <dgm:cat type="simple" pri="10100"/>
+  </dgm:catLst>
+  <dgm:scene3d>
+    <a:camera prst="orthographicFront"/>
+    <a:lightRig rig="threePt" dir="t"/>
+  </dgm:scene3d>
+  <dgm:styleLbl name="node0">
+    <dgm:scene3d>
+      <a:camera prst="orthographicFront"/>
+      <a:lightRig rig="threePt" dir="t"/>
+    </dgm:scene3d>
+    <dgm:sp3d/>
+    <dgm:txPr/>
+    <dgm:style>
+      <a:lnRef idx="2">
+        <a:scrgbClr r="0" g="0" b="0"/>
+      </a:lnRef>
+      <a:fillRef idx="1">
+        <a:scrgbClr r="0" g="0" b="0"/>
+      </a:fillRef>
+      <a:effectRef idx="0">
+        <a:scrgbClr r="0" g="0" b="0"/>
+      </a:effectRef>
+      <a:fontRef idx="minor">
+        <a:schemeClr val="lt1"/>
+      </a:fontRef>
+    </dgm:style>
+  </dgm:styleLbl>
+  <dgm:styleLbl name="lnNode1">
+    <dgm:scene3d>
+      <a:camera prst="orthographicFront"/>
+      <a:lightRig rig="threePt" dir="t"/>
+    </dgm:scene3d>
+    <dgm:sp3d/>
+    <dgm:txPr/>
+    <dgm:style>
+      <a:lnRef idx="2">
+        <a:scrgbClr r="0" g="0" b="0"/>
+      </a:lnRef>
+      <a:fillRef idx="1">
+        <a:scrgbClr r="0" g="0" b="0"/>
+      </a:fillRef>
+      <a:effectRef idx="0">
+        <a:scrgbClr r="0" g="0" b="0"/>
+      </a:effectRef>
+      <a:fontRef idx="minor">
+        <a:schemeClr val="lt1"/>
+      </a:fontRef>
+    </dgm:style>
+  </dgm:styleLbl>
+  <dgm:styleLbl name="vennNode1">
+    <dgm:scene3d>
+      <a:camera prst="orthographicFront"/>
+      <a:lightRig rig="threePt" dir="t"/>
+    </dgm:scene3d>
+    <dgm:sp3d/>
+    <dgm:txPr/>
+    <dgm:style>
+      <a:lnRef idx="2">
+        <a:scrgbClr r="0" g="0" b="0"/>
+      </a:lnRef>
+      <a:fillRef idx="1">
+        <a:scrgbClr r="0" g="0" b="0"/>
+      </a:fillRef>
+      <a:effectRef idx="0">
+        <a:scrgbClr r="0" g="0" b="0"/>
+      </a:effectRef>
+      <a:fontRef idx="minor">
+        <a:schemeClr val="tx1"/>
+      </a:fontRef>
+    </dgm:style>
+  </dgm:styleLbl>
+  <dgm:styleLbl name="alignNode1">
+    <dgm:scene3d>
+      <a:camera prst="orthographicFront"/>
+      <a:lightRig rig="threePt" dir="t"/>
+    </dgm:scene3d>
+    <dgm:sp3d/>
+    <dgm:txPr/>
+    <dgm:style>
+      <a:lnRef idx="2">
+        <a:scrgbClr r="0" g="0" b="0"/>
+      </a:lnRef>
+      <a:fillRef idx="1">
+        <a:scrgbClr r="0" g="0" b="0"/>
+      </a:fillRef>
+      <a:effectRef idx="0">
+        <a:scrgbClr r="0" g="0" b="0"/>
+      </a:effectRef>
+      <a:fontRef idx="minor">
+        <a:schemeClr val="lt1"/>
+      </a:fontRef>
+    </dgm:style>
+  </dgm:styleLbl>
+  <dgm:styleLbl name="node1">
+    <dgm:scene3d>
+      <a:camera prst="orthographicFront"/>
+      <a:lightRig rig="threePt" dir="t"/>
+    </dgm:scene3d>
+    <dgm:sp3d/>
+    <dgm:txPr/>
+    <dgm:style>
+      <a:lnRef idx="2">
+        <a:scrgbClr r="0" g="0" b="0"/>
+      </a:lnRef>
+      <a:fillRef idx="1">
+        <a:scrgbClr r="0" g="0" b="0"/>
+      </a:fillRef>
+      <a:effectRef idx="0">
+        <a:scrgbClr r="0" g="0" b="0"/>
+      </a:effectRef>
+      <a:fontRef idx="minor">
+        <a:schemeClr val="lt1"/>
+      </a:fontRef>
+    </dgm:style>
+  </dgm:styleLbl>
+  <dgm:styleLbl name="node2">
+    <dgm:scene3d>
+      <a:camera prst="orthographicFront"/>
+      <a:lightRig rig="threePt" dir="t"/>
+    </dgm:scene3d>
+    <dgm:sp3d/>
+    <dgm:txPr/>
+    <dgm:style>
+      <a:lnRef idx="2">
+        <a:scrgbClr r="0" g="0" b="0"/>
+      </a:lnRef>
+      <a:fillRef idx="1">
+        <a:scrgbClr r="0" g="0" b="0"/>
+      </a:fillRef>
+      <a:effectRef idx="0">
+        <a:scrgbClr r="0" g="0" b="0"/>
+      </a:effectRef>
+      <a:fontRef idx="minor">
+        <a:schemeClr val="lt1"/>
+      </a:fontRef>
+    </dgm:style>
+  </dgm:styleLbl>
+  <dgm:styleLbl name="node3">
+    <dgm:scene3d>
+      <a:camera prst="orthographicFront"/>
+      <a:lightRig rig="threePt" dir="t"/>
+    </dgm:scene3d>
+    <dgm:sp3d/>
+    <dgm:txPr/>
+    <dgm:style>
+      <a:lnRef idx="2">
+        <a:scrgbClr r="0" g="0" b="0"/>
+      </a:lnRef>
+      <a:fillRef idx="1">
+        <a:scrgbClr r="0" g="0" b="0"/>
+      </a:fillRef>
+      <a:effectRef idx="0">
+        <a:scrgbClr r="0" g="0" b="0"/>
+      </a:effectRef>
+      <a:fontRef idx="minor">
+        <a:schemeClr val="lt1"/>
+      </a:fontRef>
+    </dgm:style>
+  </dgm:styleLbl>
+  <dgm:styleLbl name="node4">
+    <dgm:scene3d>
+      <a:camera prst="orthographicFront"/>
+      <a:lightRig rig="threePt" dir="t"/>
+    </dgm:scene3d>
+    <dgm:sp3d/>
+    <dgm:txPr/>
+    <dgm:style>
+      <a:lnRef idx="2">
+        <a:scrgbClr r="0" g="0" b="0"/>
+      </a:lnRef>
+      <a:fillRef idx="1">
+        <a:scrgbClr r="0" g="0" b="0"/>
+      </a:fillRef>
+      <a:effectRef idx="0">
+        <a:scrgbClr r="0" g="0" b="0"/>
+      </a:effectRef>
+      <a:fontRef idx="minor">
+        <a:schemeClr val="lt1"/>
+      </a:fontRef>
+    </dgm:style>
+  </dgm:styleLbl>
+  <dgm:styleLbl name="fgImgPlace1">
+    <dgm:scene3d>
+      <a:camera prst="orthographicFront"/>
+      <a:lightRig rig="threePt" dir="t"/>
+    </dgm:scene3d>
+    <dgm:sp3d/>
+    <dgm:txPr/>
+    <dgm:style>
+      <a:lnRef idx="2">
+        <a:scrgbClr r="0" g="0" b="0"/>
+      </a:lnRef>
+      <a:fillRef idx="1">
+        <a:scrgbClr r="0" g="0" b="0"/>
+      </a:fillRef>
+      <a:effectRef idx="0">
+        <a:scrgbClr r="0" g="0" b="0"/>
+      </a:effectRef>
+      <a:fontRef idx="minor"/>
+    </dgm:style>
+  </dgm:styleLbl>
+  <dgm:styleLbl name="alignImgPlace1">
+    <dgm:scene3d>
+      <a:camera prst="orthographicFront"/>
+      <a:lightRig rig="threePt" dir="t"/>
+    </dgm:scene3d>
+    <dgm:sp3d/>
+    <dgm:txPr/>
+    <dgm:style>
+      <a:lnRef idx="2">
+        <a:scrgbClr r="0" g="0" b="0"/>
+      </a:lnRef>
+      <a:fillRef idx="1">
+        <a:scrgbClr r="0" g="0" b="0"/>
+      </a:fillRef>
+      <a:effectRef idx="0">
+        <a:scrgbClr r="0" g="0" b="0"/>
+      </a:effectRef>
+      <a:fontRef idx="minor"/>
+    </dgm:style>
+  </dgm:styleLbl>
+  <dgm:styleLbl name="bgImgPlace1">
+    <dgm:scene3d>
+      <a:camera prst="orthographicFront"/>
+      <a:lightRig rig="threePt" dir="t"/>
+    </dgm:scene3d>
+    <dgm:sp3d/>
+    <dgm:txPr/>
+    <dgm:style>
+      <a:lnRef idx="2">
+        <a:scrgbClr r="0" g="0" b="0"/>
+      </a:lnRef>
+      <a:fillRef idx="1">
+        <a:scrgbClr r="0" g="0" b="0"/>
+      </a:fillRef>
+      <a:effectRef idx="0">
+        <a:scrgbClr r="0" g="0" b="0"/>
+      </a:effectRef>
+      <a:fontRef idx="minor"/>
+    </dgm:style>
+  </dgm:styleLbl>
+  <dgm:styleLbl name="sibTrans2D1">
+    <dgm:scene3d>
+      <a:camera prst="orthographicFront"/>
+      <a:lightRig rig="threePt" dir="t"/>
+    </dgm:scene3d>
+    <dgm:sp3d/>
+    <dgm:txPr/>
+    <dgm:style>
+      <a:lnRef idx="0">
+        <a:scrgbClr r="0" g="0" b="0"/>
+      </a:lnRef>
+      <a:fillRef idx="1">
+        <a:scrgbClr r="0" g="0" b="0"/>
+      </a:fillRef>
+      <a:effectRef idx="0">
+        <a:scrgbClr r="0" g="0" b="0"/>
+      </a:effectRef>
+      <a:fontRef idx="minor">
+        <a:schemeClr val="lt1"/>
+      </a:fontRef>
+    </dgm:style>
+  </dgm:styleLbl>
+  <dgm:styleLbl name="fgSibTrans2D1">
+    <dgm:scene3d>
+      <a:camera prst="orthographicFront"/>
+      <a:lightRig rig="threePt" dir="t"/>
+    </dgm:scene3d>
+    <dgm:sp3d/>
+    <dgm:txPr/>
+    <dgm:style>
+      <a:lnRef idx="0">
+        <a:scrgbClr r="0" g="0" b="0"/>
+      </a:lnRef>
+      <a:fillRef idx="1">
+        <a:scrgbClr r="0" g="0" b="0"/>
+      </a:fillRef>
+      <a:effectRef idx="0">
+        <a:scrgbClr r="0" g="0" b="0"/>
+      </a:effectRef>
+      <a:fontRef idx="minor">
+        <a:schemeClr val="lt1"/>
+      </a:fontRef>
+    </dgm:style>
+  </dgm:styleLbl>
+  <dgm:styleLbl name="bgSibTrans2D1">
+    <dgm:scene3d>
+      <a:camera prst="orthographicFront"/>
+      <a:lightRig rig="threePt" dir="t"/>
+    </dgm:scene3d>
+    <dgm:sp3d/>
+    <dgm:txPr/>
+    <dgm:style>
+      <a:lnRef idx="0">
+        <a:scrgbClr r="0" g="0" b="0"/>
+      </a:lnRef>
+      <a:fillRef idx="1">
+        <a:scrgbClr r="0" g="0" b="0"/>
+      </a:fillRef>
+      <a:effectRef idx="0">
+        <a:scrgbClr r="0" g="0" b="0"/>
+      </a:effectRef>
+      <a:fontRef idx="minor">
+        <a:schemeClr val="lt1"/>
+      </a:fontRef>
+    </dgm:style>
+  </dgm:styleLbl>
+  <dgm:styleLbl name="sibTrans1D1">
+    <dgm:scene3d>
+      <a:camera prst="orthographicFront"/>
+      <a:lightRig rig="threePt" dir="t"/>
+    </dgm:scene3d>
+    <dgm:sp3d/>
+    <dgm:txPr/>
+    <dgm:style>
+      <a:lnRef idx="1">
+        <a:scrgbClr r="0" g="0" b="0"/>
+      </a:lnRef>
+      <a:fillRef idx="0">
+        <a:scrgbClr r="0" g="0" b="0"/>
+      </a:fillRef>
+      <a:effectRef idx="0">
+        <a:scrgbClr r="0" g="0" b="0"/>
+      </a:effectRef>
+      <a:fontRef idx="minor"/>
+    </dgm:style>
+  </dgm:styleLbl>
+  <dgm:styleLbl name="callout">
+    <dgm:scene3d>
+      <a:camera prst="orthographicFront"/>
+      <a:lightRig rig="threePt" dir="t"/>
+    </dgm:scene3d>
+    <dgm:sp3d/>
+    <dgm:txPr/>
+    <dgm:style>
+      <a:lnRef idx="2">
+        <a:scrgbClr r="0" g="0" b="0"/>
+      </a:lnRef>
+      <a:fillRef idx="1">
+        <a:scrgbClr r="0" g="0" b="0"/>
+      </a:fillRef>
+      <a:effectRef idx="0">
+        <a:scrgbClr r="0" g="0" b="0"/>
+      </a:effectRef>
+      <a:fontRef idx="minor"/>
+    </dgm:style>
+  </dgm:styleLbl>
+  <dgm:styleLbl name="asst0">
+    <dgm:scene3d>
+      <a:camera prst="orthographicFront"/>
+      <a:lightRig rig="threePt" dir="t"/>
+    </dgm:scene3d>
+    <dgm:sp3d/>
+    <dgm:txPr/>
+    <dgm:style>
+      <a:lnRef idx="2">
+        <a:scrgbClr r="0" g="0" b="0"/>
+      </a:lnRef>
+      <a:fillRef idx="1">
+        <a:scrgbClr r="0" g="0" b="0"/>
+      </a:fillRef>
+      <a:effectRef idx="0">
+        <a:scrgbClr r="0" g="0" b="0"/>
+      </a:effectRef>
+      <a:fontRef idx="minor">
+        <a:schemeClr val="lt1"/>
+      </a:fontRef>
+    </dgm:style>
+  </dgm:styleLbl>
+  <dgm:styleLbl name="asst1">
+    <dgm:scene3d>
+      <a:camera prst="orthographicFront"/>
+      <a:lightRig rig="threePt" dir="t"/>
+    </dgm:scene3d>
+    <dgm:sp3d/>
+    <dgm:txPr/>
+    <dgm:style>
+      <a:lnRef idx="2">
+        <a:scrgbClr r="0" g="0" b="0"/>
+      </a:lnRef>
+      <a:fillRef idx="1">
+        <a:scrgbClr r="0" g="0" b="0"/>
+      </a:fillRef>
+      <a:effectRef idx="0">
+        <a:scrgbClr r="0" g="0" b="0"/>
+      </a:effectRef>
+      <a:fontRef idx="minor">
+        <a:schemeClr val="lt1"/>
+      </a:fontRef>
+    </dgm:style>
+  </dgm:styleLbl>
+  <dgm:styleLbl name="asst2">
+    <dgm:scene3d>
+      <a:camera prst="orthographicFront"/>
+      <a:lightRig rig="threePt" dir="t"/>
+    </dgm:scene3d>
+    <dgm:sp3d/>
+    <dgm:txPr/>
+    <dgm:style>
+      <a:lnRef idx="2">
+        <a:scrgbClr r="0" g="0" b="0"/>
+      </a:lnRef>
+      <a:fillRef idx="1">
+        <a:scrgbClr r="0" g="0" b="0"/>
+      </a:fillRef>
+      <a:effectRef idx="0">
+        <a:scrgbClr r="0" g="0" b="0"/>
+      </a:effectRef>
+      <a:fontRef idx="minor">
+        <a:schemeClr val="lt1"/>
+      </a:fontRef>
+    </dgm:style>
+  </dgm:styleLbl>
+  <dgm:styleLbl name="asst3">
+    <dgm:scene3d>
+      <a:camera prst="orthographicFront"/>
+      <a:lightRig rig="threePt" dir="t"/>
+    </dgm:scene3d>
+    <dgm:sp3d/>
+    <dgm:txPr/>
+    <dgm:style>
+      <a:lnRef idx="2">
+        <a:scrgbClr r="0" g="0" b="0"/>
+      </a:lnRef>
+      <a:fillRef idx="1">
+        <a:scrgbClr r="0" g="0" b="0"/>
+      </a:fillRef>
+      <a:effectRef idx="0">
+        <a:scrgbClr r="0" g="0" b="0"/>
+      </a:effectRef>
+      <a:fontRef idx="minor">
+        <a:schemeClr val="lt1"/>
+      </a:fontRef>
+    </dgm:style>
+  </dgm:styleLbl>
+  <dgm:styleLbl name="asst4">
+    <dgm:scene3d>
+      <a:camera prst="orthographicFront"/>
+      <a:lightRig rig="threePt" dir="t"/>
+    </dgm:scene3d>
+    <dgm:sp3d/>
+    <dgm:txPr/>
+    <dgm:style>
+      <a:lnRef idx="2">
+        <a:scrgbClr r="0" g="0" b="0"/>
+      </a:lnRef>
+      <a:fillRef idx="1">
+        <a:scrgbClr r="0" g="0" b="0"/>
+      </a:fillRef>
+      <a:effectRef idx="0">
+        <a:scrgbClr r="0" g="0" b="0"/>
+      </a:effectRef>
+      <a:fontRef idx="minor">
+        <a:schemeClr val="lt1"/>
+      </a:fontRef>
+    </dgm:style>
+  </dgm:styleLbl>
+  <dgm:styleLbl name="parChTrans2D1">
+    <dgm:scene3d>
+      <a:camera prst="orthographicFront"/>
+      <a:lightRig rig="threePt" dir="t"/>
+    </dgm:scene3d>
+    <dgm:sp3d/>
+    <dgm:txPr/>
+    <dgm:style>
+      <a:lnRef idx="2">
+        <a:scrgbClr r="0" g="0" b="0"/>
+      </a:lnRef>
+      <a:fillRef idx="1">
+        <a:scrgbClr r="0" g="0" b="0"/>
+      </a:fillRef>
+      <a:effectRef idx="0">
+        <a:scrgbClr r="0" g="0" b="0"/>
+      </a:effectRef>
+      <a:fontRef idx="minor">
+        <a:schemeClr val="lt1"/>
+      </a:fontRef>
+    </dgm:style>
+  </dgm:styleLbl>
+  <dgm:styleLbl name="parChTrans2D2">
+    <dgm:scene3d>
+      <a:camera prst="orthographicFront"/>
+      <a:lightRig rig="threePt" dir="t"/>
+    </dgm:scene3d>
+    <dgm:sp3d/>
+    <dgm:txPr/>
+    <dgm:style>
+      <a:lnRef idx="2">
+        <a:scrgbClr r="0" g="0" b="0"/>
+      </a:lnRef>
+      <a:fillRef idx="1">
+        <a:scrgbClr r="0" g="0" b="0"/>
+      </a:fillRef>
+      <a:effectRef idx="0">
+        <a:scrgbClr r="0" g="0" b="0"/>
+      </a:effectRef>
+      <a:fontRef idx="minor">
+        <a:schemeClr val="lt1"/>
+      </a:fontRef>
+    </dgm:style>
+  </dgm:styleLbl>
+  <dgm:styleLbl name="parChTrans2D3">
+    <dgm:scene3d>
+      <a:camera prst="orthographicFront"/>
+      <a:lightRig rig="threePt" dir="t"/>
+    </dgm:scene3d>
+    <dgm:sp3d/>
+    <dgm:txPr/>
+    <dgm:style>
+      <a:lnRef idx="2">
+        <a:scrgbClr r="0" g="0" b="0"/>
+      </a:lnRef>
+      <a:fillRef idx="1">
+        <a:scrgbClr r="0" g="0" b="0"/>
+      </a:fillRef>
+      <a:effectRef idx="0">
+        <a:scrgbClr r="0" g="0" b="0"/>
+      </a:effectRef>
+      <a:fontRef idx="minor">
+        <a:schemeClr val="lt1"/>
+      </a:fontRef>
+    </dgm:style>
+  </dgm:styleLbl>
+  <dgm:styleLbl name="parChTrans2D4">
+    <dgm:scene3d>
+      <a:camera prst="orthographicFront"/>
+      <a:lightRig rig="threePt" dir="t"/>
+    </dgm:scene3d>
+    <dgm:sp3d/>
+    <dgm:txPr/>
+    <dgm:style>
+      <a:lnRef idx="2">
+        <a:scrgbClr r="0" g="0" b="0"/>
+      </a:lnRef>
+      <a:fillRef idx="1">
+        <a:scrgbClr r="0" g="0" b="0"/>
+      </a:fillRef>
+      <a:effectRef idx="0">
+        <a:scrgbClr r="0" g="0" b="0"/>
+      </a:effectRef>
+      <a:fontRef idx="minor">
+        <a:schemeClr val="lt1"/>
+      </a:fontRef>
+    </dgm:style>
+  </dgm:styleLbl>
+  <dgm:styleLbl name="parChTrans1D1">
+    <dgm:scene3d>
+      <a:camera prst="orthographicFront"/>
+      <a:lightRig rig="threePt" dir="t"/>
+    </dgm:scene3d>
+    <dgm:sp3d/>
+    <dgm:txPr/>
+    <dgm:style>
+      <a:lnRef idx="2">
+        <a:scrgbClr r="0" g="0" b="0"/>
+      </a:lnRef>
+      <a:fillRef idx="0">
+        <a:scrgbClr r="0" g="0" b="0"/>
+      </a:fillRef>
+      <a:effectRef idx="0">
+        <a:scrgbClr r="0" g="0" b="0"/>
+      </a:effectRef>
+      <a:fontRef idx="minor"/>
+    </dgm:style>
+  </dgm:styleLbl>
+  <dgm:styleLbl name="parChTrans1D2">
+    <dgm:scene3d>
+      <a:camera prst="orthographicFront"/>
+      <a:lightRig rig="threePt" dir="t"/>
+    </dgm:scene3d>
+    <dgm:sp3d/>
+    <dgm:txPr/>
+    <dgm:style>
+      <a:lnRef idx="2">
+        <a:scrgbClr r="0" g="0" b="0"/>
+      </a:lnRef>
+      <a:fillRef idx="0">
+        <a:scrgbClr r="0" g="0" b="0"/>
+      </a:fillRef>
+      <a:effectRef idx="0">
+        <a:scrgbClr r="0" g="0" b="0"/>
+      </a:effectRef>
+      <a:fontRef idx="minor"/>
+    </dgm:style>
+  </dgm:styleLbl>
+  <dgm:styleLbl name="parChTrans1D3">
+    <dgm:scene3d>
+      <a:camera prst="orthographicFront"/>
+      <a:lightRig rig="threePt" dir="t"/>
+    </dgm:scene3d>
+    <dgm:sp3d/>
+    <dgm:txPr/>
+    <dgm:style>
+      <a:lnRef idx="2">
+        <a:scrgbClr r="0" g="0" b="0"/>
+      </a:lnRef>
+      <a:fillRef idx="0">
+        <a:scrgbClr r="0" g="0" b="0"/>
+      </a:fillRef>
+      <a:effectRef idx="0">
+        <a:scrgbClr r="0" g="0" b="0"/>
+      </a:effectRef>
+      <a:fontRef idx="minor"/>
+    </dgm:style>
+  </dgm:styleLbl>
+  <dgm:styleLbl name="parChTrans1D4">
+    <dgm:scene3d>
+      <a:camera prst="orthographicFront"/>
+      <a:lightRig rig="threePt" dir="t"/>
+    </dgm:scene3d>
+    <dgm:sp3d/>
+    <dgm:txPr/>
+    <dgm:style>
+      <a:lnRef idx="2">
+        <a:scrgbClr r="0" g="0" b="0"/>
+      </a:lnRef>
+      <a:fillRef idx="0">
+        <a:scrgbClr r="0" g="0" b="0"/>
+      </a:fillRef>
+      <a:effectRef idx="0">
+        <a:scrgbClr r="0" g="0" b="0"/>
+      </a:effectRef>
+      <a:fontRef idx="minor"/>
+    </dgm:style>
+  </dgm:styleLbl>
+  <dgm:styleLbl name="fgAcc1">
+    <dgm:scene3d>
+      <a:camera prst="orthographicFront"/>
+      <a:lightRig rig="threePt" dir="t"/>
+    </dgm:scene3d>
+    <dgm:sp3d/>
+    <dgm:txPr/>
+    <dgm:style>
+      <a:lnRef idx="2">
+        <a:scrgbClr r="0" g="0" b="0"/>
+      </a:lnRef>
+      <a:fillRef idx="1">
+        <a:scrgbClr r="0" g="0" b="0"/>
+      </a:fillRef>
+      <a:effectRef idx="0">
+        <a:scrgbClr r="0" g="0" b="0"/>
+      </a:effectRef>
+      <a:fontRef idx="minor"/>
+    </dgm:style>
+  </dgm:styleLbl>
+  <dgm:styleLbl name="conFgAcc1">
+    <dgm:scene3d>
+      <a:camera prst="orthographicFront"/>
+      <a:lightRig rig="threePt" dir="t"/>
+    </dgm:scene3d>
+    <dgm:sp3d/>
+    <dgm:txPr/>
+    <dgm:style>
+      <a:lnRef idx="2">
+        <a:scrgbClr r="0" g="0" b="0"/>
+      </a:lnRef>
+      <a:fillRef idx="1">
+        <a:scrgbClr r="0" g="0" b="0"/>
+      </a:fillRef>
+      <a:effectRef idx="0">
+        <a:scrgbClr r="0" g="0" b="0"/>
+      </a:effectRef>
+      <a:fontRef idx="minor"/>
+    </dgm:style>
+  </dgm:styleLbl>
+  <dgm:styleLbl name="alignAcc1">
+    <dgm:scene3d>
+      <a:camera prst="orthographicFront"/>
+      <a:lightRig rig="threePt" dir="t"/>
+    </dgm:scene3d>
+    <dgm:sp3d/>
+    <dgm:txPr/>
+    <dgm:style>
+      <a:lnRef idx="2">
+        <a:scrgbClr r="0" g="0" b="0"/>
+      </a:lnRef>
+      <a:fillRef idx="1">
+        <a:scrgbClr r="0" g="0" b="0"/>
+      </a:fillRef>
+      <a:effectRef idx="0">
+        <a:scrgbClr r="0" g="0" b="0"/>
+      </a:effectRef>
+      <a:fontRef idx="minor"/>
+    </dgm:style>
+  </dgm:styleLbl>
+  <dgm:styleLbl name="trAlignAcc1">
+    <dgm:scene3d>
+      <a:camera prst="orthographicFront"/>
+      <a:lightRig rig="threePt" dir="t"/>
+    </dgm:scene3d>
+    <dgm:sp3d/>
+    <dgm:txPr/>
+    <dgm:style>
+      <a:lnRef idx="1">
+        <a:scrgbClr r="0" g="0" b="0"/>
+      </a:lnRef>
+      <a:fillRef idx="1">
+        <a:scrgbClr r="0" g="0" b="0"/>
+      </a:fillRef>
+      <a:effectRef idx="0">
+        <a:scrgbClr r="0" g="0" b="0"/>
+      </a:effectRef>
+      <a:fontRef idx="minor"/>
+    </dgm:style>
+  </dgm:styleLbl>
+  <dgm:styleLbl name="bgAcc1">
+    <dgm:scene3d>
+      <a:camera prst="orthographicFront"/>
+      <a:lightRig rig="threePt" dir="t"/>
+    </dgm:scene3d>
+    <dgm:sp3d/>
+    <dgm:txPr/>
+    <dgm:style>
+      <a:lnRef idx="2">
+        <a:scrgbClr r="0" g="0" b="0"/>
+      </a:lnRef>
+      <a:fillRef idx="1">
+        <a:scrgbClr r="0" g="0" b="0"/>
+      </a:fillRef>
+      <a:effectRef idx="0">
+        <a:scrgbClr r="0" g="0" b="0"/>
+      </a:effectRef>
+      <a:fontRef idx="minor"/>
+    </dgm:style>
+  </dgm:styleLbl>
+  <dgm:styleLbl name="solidFgAcc1">
+    <dgm:scene3d>
+      <a:camera prst="orthographicFront"/>
+      <a:lightRig rig="threePt" dir="t"/>
+    </dgm:scene3d>
+    <dgm:sp3d/>
+    <dgm:txPr/>
+    <dgm:style>
+      <a:lnRef idx="2">
+        <a:scrgbClr r="0" g="0" b="0"/>
+      </a:lnRef>
+      <a:fillRef idx="1">
+        <a:scrgbClr r="0" g="0" b="0"/>
+      </a:fillRef>
+      <a:effectRef idx="0">
+        <a:scrgbClr r="0" g="0" b="0"/>
+      </a:effectRef>
+      <a:fontRef idx="minor"/>
+    </dgm:style>
+  </dgm:styleLbl>
+  <dgm:styleLbl name="solidAlignAcc1">
+    <dgm:scene3d>
+      <a:camera prst="orthographicFront"/>
+      <a:lightRig rig="threePt" dir="t"/>
+    </dgm:scene3d>
+    <dgm:sp3d/>
+    <dgm:txPr/>
+    <dgm:style>
+      <a:lnRef idx="2">
+        <a:scrgbClr r="0" g="0" b="0"/>
+      </a:lnRef>
+      <a:fillRef idx="1">
+        <a:scrgbClr r="0" g="0" b="0"/>
+      </a:fillRef>
+      <a:effectRef idx="0">
+        <a:scrgbClr r="0" g="0" b="0"/>
+      </a:effectRef>
+      <a:fontRef idx="minor"/>
+    </dgm:style>
+  </dgm:styleLbl>
+  <dgm:styleLbl name="solidBgAcc1">
+    <dgm:scene3d>
+      <a:camera prst="orthographicFront"/>
+      <a:lightRig rig="threePt" dir="t"/>
+    </dgm:scene3d>
+    <dgm:sp3d/>
+    <dgm:txPr/>
+    <dgm:style>
+      <a:lnRef idx="2">
+        <a:scrgbClr r="0" g="0" b="0"/>
+      </a:lnRef>
+      <a:fillRef idx="1">
+        <a:scrgbClr r="0" g="0" b="0"/>
+      </a:fillRef>
+      <a:effectRef idx="0">
+        <a:scrgbClr r="0" g="0" b="0"/>
+      </a:effectRef>
+      <a:fontRef idx="minor"/>
+    </dgm:style>
+  </dgm:styleLbl>
+  <dgm:styleLbl name="fgAccFollowNode1">
+    <dgm:scene3d>
+      <a:camera prst="orthographicFront"/>
+      <a:lightRig rig="threePt" dir="t"/>
+    </dgm:scene3d>
+    <dgm:sp3d/>
+    <dgm:txPr/>
+    <dgm:style>
+      <a:lnRef idx="2">
+        <a:scrgbClr r="0" g="0" b="0"/>
+      </a:lnRef>
+      <a:fillRef idx="1">
+        <a:scrgbClr r="0" g="0" b="0"/>
+      </a:fillRef>
+      <a:effectRef idx="0">
+        <a:scrgbClr r="0" g="0" b="0"/>
+      </a:effectRef>
+      <a:fontRef idx="minor"/>
+    </dgm:style>
+  </dgm:styleLbl>
+  <dgm:styleLbl name="alignAccFollowNode1">
+    <dgm:scene3d>
+      <a:camera prst="orthographicFront"/>
+      <a:lightRig rig="threePt" dir="t"/>
+    </dgm:scene3d>
+    <dgm:sp3d/>
+    <dgm:txPr/>
+    <dgm:style>
+      <a:lnRef idx="2">
+        <a:scrgbClr r="0" g="0" b="0"/>
+      </a:lnRef>
+      <a:fillRef idx="1">
+        <a:scrgbClr r="0" g="0" b="0"/>
+      </a:fillRef>
+      <a:effectRef idx="0">
+        <a:scrgbClr r="0" g="0" b="0"/>
+      </a:effectRef>
+      <a:fontRef idx="minor"/>
+    </dgm:style>
+  </dgm:styleLbl>
+  <dgm:styleLbl name="bgAccFollowNode1">
+    <dgm:scene3d>
+      <a:camera prst="orthographicFront"/>
+      <a:lightRig rig="threePt" dir="t"/>
+    </dgm:scene3d>
+    <dgm:sp3d/>
+    <dgm:txPr/>
+    <dgm:style>
+      <a:lnRef idx="2">
+        <a:scrgbClr r="0" g="0" b="0"/>
+      </a:lnRef>
+      <a:fillRef idx="1">
+        <a:scrgbClr r="0" g="0" b="0"/>
+      </a:fillRef>
+      <a:effectRef idx="0">
+        <a:scrgbClr r="0" g="0" b="0"/>
+      </a:effectRef>
+      <a:fontRef idx="minor"/>
+    </dgm:style>
+  </dgm:styleLbl>
+  <dgm:styleLbl name="fgAcc0">
+    <dgm:scene3d>
+      <a:camera prst="orthographicFront"/>
+      <a:lightRig rig="threePt" dir="t"/>
+    </dgm:scene3d>
+    <dgm:sp3d/>
+    <dgm:txPr/>
+    <dgm:style>
+      <a:lnRef idx="2">
+        <a:scrgbClr r="0" g="0" b="0"/>
+      </a:lnRef>
+      <a:fillRef idx="1">
+        <a:scrgbClr r="0" g="0" b="0"/>
+      </a:fillRef>
+      <a:effectRef idx="0">
+        <a:scrgbClr r="0" g="0" b="0"/>
+      </a:effectRef>
+      <a:fontRef idx="minor"/>
+    </dgm:style>
+  </dgm:styleLbl>
+  <dgm:styleLbl name="fgAcc2">
+    <dgm:scene3d>
+      <a:camera prst="orthographicFront"/>
+      <a:lightRig rig="threePt" dir="t"/>
+    </dgm:scene3d>
+    <dgm:sp3d/>
+    <dgm:txPr/>
+    <dgm:style>
+      <a:lnRef idx="2">
+        <a:scrgbClr r="0" g="0" b="0"/>
+      </a:lnRef>
+      <a:fillRef idx="1">
+        <a:scrgbClr r="0" g="0" b="0"/>
+      </a:fillRef>
+      <a:effectRef idx="0">
+        <a:scrgbClr r="0" g="0" b="0"/>
+      </a:effectRef>
+      <a:fontRef idx="minor"/>
+    </dgm:style>
+  </dgm:styleLbl>
+  <dgm:styleLbl name="fgAcc3">
+    <dgm:scene3d>
+      <a:camera prst="orthographicFront"/>
+      <a:lightRig rig="threePt" dir="t"/>
+    </dgm:scene3d>
+    <dgm:sp3d/>
+    <dgm:txPr/>
+    <dgm:style>
+      <a:lnRef idx="2">
+        <a:scrgbClr r="0" g="0" b="0"/>
+      </a:lnRef>
+      <a:fillRef idx="1">
+        <a:scrgbClr r="0" g="0" b="0"/>
+      </a:fillRef>
+      <a:effectRef idx="0">
+        <a:scrgbClr r="0" g="0" b="0"/>
+      </a:effectRef>
+      <a:fontRef idx="minor"/>
+    </dgm:style>
+  </dgm:styleLbl>
+  <dgm:styleLbl name="fgAcc4">
+    <dgm:scene3d>
+      <a:camera prst="orthographicFront"/>
+      <a:lightRig rig="threePt" dir="t"/>
+    </dgm:scene3d>
+    <dgm:sp3d/>
+    <dgm:txPr/>
+    <dgm:style>
+      <a:lnRef idx="2">
+        <a:scrgbClr r="0" g="0" b="0"/>
+      </a:lnRef>
+      <a:fillRef idx="1">
+        <a:scrgbClr r="0" g="0" b="0"/>
+      </a:fillRef>
+      <a:effectRef idx="0">
+        <a:scrgbClr r="0" g="0" b="0"/>
+      </a:effectRef>
+      <a:fontRef idx="minor"/>
+    </dgm:style>
+  </dgm:styleLbl>
+  <dgm:styleLbl name="bgShp">
+    <dgm:scene3d>
+      <a:camera prst="orthographicFront"/>
+      <a:lightRig rig="threePt" dir="t"/>
+    </dgm:scene3d>
+    <dgm:sp3d/>
+    <dgm:txPr/>
+    <dgm:style>
+      <a:lnRef idx="0">
+        <a:scrgbClr r="0" g="0" b="0"/>
+      </a:lnRef>
+      <a:fillRef idx="1">
+        <a:scrgbClr r="0" g="0" b="0"/>
+      </a:fillRef>
+      <a:effectRef idx="0">
+        <a:scrgbClr r="0" g="0" b="0"/>
+      </a:effectRef>
+      <a:fontRef idx="minor"/>
+    </dgm:style>
+  </dgm:styleLbl>
+  <dgm:styleLbl name="dkBgShp">
+    <dgm:scene3d>
+      <a:camera prst="orthographicFront"/>
+      <a:lightRig rig="threePt" dir="t"/>
+    </dgm:scene3d>
+    <dgm:sp3d/>
+    <dgm:txPr/>
+    <dgm:style>
+      <a:lnRef idx="0">
+        <a:scrgbClr r="0" g="0" b="0"/>
+      </a:lnRef>
+      <a:fillRef idx="1">
+        <a:scrgbClr r="0" g="0" b="0"/>
+      </a:fillRef>
+      <a:effectRef idx="0">
+        <a:scrgbClr r="0" g="0" b="0"/>
+      </a:effectRef>
+      <a:fontRef idx="minor"/>
+    </dgm:style>
+  </dgm:styleLbl>
+  <dgm:styleLbl name="trBgShp">
+    <dgm:scene3d>
+      <a:camera prst="orthographicFront"/>
+      <a:lightRig rig="threePt" dir="t"/>
+    </dgm:scene3d>
+    <dgm:sp3d/>
+    <dgm:txPr/>
+    <dgm:style>
+      <a:lnRef idx="0">
+        <a:scrgbClr r="0" g="0" b="0"/>
+      </a:lnRef>
+      <a:fillRef idx="1">
+        <a:scrgbClr r="0" g="0" b="0"/>
+      </a:fillRef>
+      <a:effectRef idx="0">
+        <a:scrgbClr r="0" g="0" b="0"/>
+      </a:effectRef>
+      <a:fontRef idx="minor"/>
+    </dgm:style>
+  </dgm:styleLbl>
+  <dgm:styleLbl name="fgShp">
+    <dgm:scene3d>
+      <a:camera prst="orthographicFront"/>
+      <a:lightRig rig="threePt" dir="t"/>
+    </dgm:scene3d>
+    <dgm:sp3d/>
+    <dgm:txPr/>
+    <dgm:style>
+      <a:lnRef idx="2">
+        <a:scrgbClr r="0" g="0" b="0"/>
+      </a:lnRef>
+      <a:fillRef idx="1">
+        <a:scrgbClr r="0" g="0" b="0"/>
+      </a:fillRef>
+      <a:effectRef idx="0">
+        <a:scrgbClr r="0" g="0" b="0"/>
+      </a:effectRef>
+      <a:fontRef idx="minor"/>
+    </dgm:style>
+  </dgm:styleLbl>
+  <dgm:styleLbl name="revTx">
+    <dgm:scene3d>
+      <a:camera prst="orthographicFront"/>
+      <a:lightRig rig="threePt" dir="t"/>
+    </dgm:scene3d>
+    <dgm:sp3d/>
+    <dgm:txPr/>
+    <dgm:style>
+      <a:lnRef idx="0">
+        <a:scrgbClr r="0" g="0" b="0"/>
+      </a:lnRef>
+      <a:fillRef idx="0">
+        <a:scrgbClr r="0" g="0" b="0"/>
+      </a:fillRef>
+      <a:effectRef idx="0">
+        <a:scrgbClr r="0" g="0" b="0"/>
+      </a:effectRef>
+      <a:fontRef idx="minor"/>
+    </dgm:style>
+  </dgm:styleLbl>
+</dgm:styleDef>
+</file>
+
+<file path=ppt/diagrams/quickStyle2.xml><?xml version="1.0" encoding="utf-8"?>
 <dgm:styleDef xmlns:dgm="http://schemas.openxmlformats.org/drawingml/2006/diagram" xmlns:a="http://schemas.openxmlformats.org/drawingml/2006/main" uniqueId="urn:microsoft.com/office/officeart/2005/8/quickstyle/simple1">
   <dgm:title val=""/>
   <dgm:desc val=""/>
@@ -7119,21 +10094,8 @@
                   <a:schemeClr val="bg1"/>
                 </a:solidFill>
               </a:rPr>
-              <a:t>Képgenerálás </a:t>
+              <a:t>Képgenerálás Diffúziós Modellel</a:t>
             </a:r>
-            <a:r>
-              <a:rPr lang="hu-HU" sz="4800">
-                <a:solidFill>
-                  <a:schemeClr val="bg1"/>
-                </a:solidFill>
-              </a:rPr>
-              <a:t>Diffúziós Modellel</a:t>
-            </a:r>
-            <a:endParaRPr lang="hu-HU" sz="4800" dirty="0">
-              <a:solidFill>
-                <a:schemeClr val="bg1"/>
-              </a:solidFill>
-            </a:endParaRPr>
           </a:p>
         </p:txBody>
       </p:sp>
@@ -7926,10 +10888,10 @@
           <a:lstStyle/>
           <a:p>
             <a:r>
-              <a:rPr lang="hu-HU"/>
+              <a:rPr lang="hu-HU" dirty="0"/>
               <a:t>Modell</a:t>
             </a:r>
-            <a:endParaRPr lang="en-US"/>
+            <a:endParaRPr lang="en-US" dirty="0"/>
           </a:p>
         </p:txBody>
       </p:sp>
@@ -7954,8 +10916,8 @@
         </p:blipFill>
         <p:spPr>
           <a:xfrm>
-            <a:off x="581193" y="2378070"/>
-            <a:ext cx="7143582" cy="3750163"/>
+            <a:off x="581193" y="2425926"/>
+            <a:ext cx="7143582" cy="3654451"/>
           </a:xfrm>
           <a:prstGeom prst="rect">
             <a:avLst/>
@@ -8070,6 +11032,95 @@
 </file>
 
 <file path=ppt/slides/slide5.xml><?xml version="1.0" encoding="utf-8"?>
+<p:sld xmlns:a="http://schemas.openxmlformats.org/drawingml/2006/main" xmlns:r="http://schemas.openxmlformats.org/officeDocument/2006/relationships" xmlns:p="http://schemas.openxmlformats.org/presentationml/2006/main">
+  <p:cSld>
+    <p:spTree>
+      <p:nvGrpSpPr>
+        <p:cNvPr id="1" name=""/>
+        <p:cNvGrpSpPr/>
+        <p:nvPr/>
+      </p:nvGrpSpPr>
+      <p:grpSpPr>
+        <a:xfrm>
+          <a:off x="0" y="0"/>
+          <a:ext cx="0" cy="0"/>
+          <a:chOff x="0" y="0"/>
+          <a:chExt cx="0" cy="0"/>
+        </a:xfrm>
+      </p:grpSpPr>
+      <p:sp>
+        <p:nvSpPr>
+          <p:cNvPr id="2" name="Title 1">
+            <a:extLst>
+              <a:ext uri="{FF2B5EF4-FFF2-40B4-BE49-F238E27FC236}">
+                <a16:creationId xmlns:a16="http://schemas.microsoft.com/office/drawing/2014/main" id="{07E9585C-00A4-CF39-457B-D46A4C054B7E}"/>
+              </a:ext>
+            </a:extLst>
+          </p:cNvPr>
+          <p:cNvSpPr>
+            <a:spLocks noGrp="1"/>
+          </p:cNvSpPr>
+          <p:nvPr>
+            <p:ph type="title"/>
+          </p:nvPr>
+        </p:nvSpPr>
+        <p:spPr/>
+        <p:txBody>
+          <a:bodyPr/>
+          <a:lstStyle/>
+          <a:p>
+            <a:r>
+              <a:rPr lang="hu-HU" dirty="0"/>
+              <a:t>Tanítás</a:t>
+            </a:r>
+          </a:p>
+        </p:txBody>
+      </p:sp>
+      <p:graphicFrame>
+        <p:nvGraphicFramePr>
+          <p:cNvPr id="7" name="Content Placeholder 6">
+            <a:extLst>
+              <a:ext uri="{FF2B5EF4-FFF2-40B4-BE49-F238E27FC236}">
+                <a16:creationId xmlns:a16="http://schemas.microsoft.com/office/drawing/2014/main" id="{475DA7BB-95D3-7F21-E349-963386F446E5}"/>
+              </a:ext>
+            </a:extLst>
+          </p:cNvPr>
+          <p:cNvGraphicFramePr>
+            <a:graphicFrameLocks noGrp="1"/>
+          </p:cNvGraphicFramePr>
+          <p:nvPr>
+            <p:ph sz="half" idx="1"/>
+            <p:extLst>
+              <p:ext uri="{D42A27DB-BD31-4B8C-83A1-F6EECF244321}">
+                <p14:modId xmlns:p14="http://schemas.microsoft.com/office/powerpoint/2010/main" val="1246675479"/>
+              </p:ext>
+            </p:extLst>
+          </p:nvPr>
+        </p:nvGraphicFramePr>
+        <p:xfrm>
+          <a:off x="3541885" y="2057400"/>
+          <a:ext cx="5108231" cy="4486275"/>
+        </p:xfrm>
+        <a:graphic>
+          <a:graphicData uri="http://schemas.openxmlformats.org/drawingml/2006/diagram">
+            <dgm:relIds xmlns:dgm="http://schemas.openxmlformats.org/drawingml/2006/diagram" xmlns:r="http://schemas.openxmlformats.org/officeDocument/2006/relationships" r:dm="rId2" r:lo="rId3" r:qs="rId4" r:cs="rId5"/>
+          </a:graphicData>
+        </a:graphic>
+      </p:graphicFrame>
+    </p:spTree>
+    <p:extLst>
+      <p:ext uri="{BB962C8B-B14F-4D97-AF65-F5344CB8AC3E}">
+        <p14:creationId xmlns:p14="http://schemas.microsoft.com/office/powerpoint/2010/main" val="3849140998"/>
+      </p:ext>
+    </p:extLst>
+  </p:cSld>
+  <p:clrMapOvr>
+    <a:masterClrMapping/>
+  </p:clrMapOvr>
+</p:sld>
+</file>
+
+<file path=ppt/slides/slide6.xml><?xml version="1.0" encoding="utf-8"?>
 <p:sld xmlns:a="http://schemas.openxmlformats.org/drawingml/2006/main" xmlns:r="http://schemas.openxmlformats.org/officeDocument/2006/relationships" xmlns:p="http://schemas.openxmlformats.org/presentationml/2006/main">
   <p:cSld>
     <p:spTree>
@@ -8896,7 +11947,7 @@
                         </a:spcAft>
                       </a:pPr>
                       <a:r>
-                        <a:rPr lang="hu-HU" sz="2100" kern="100" cap="none" spc="0">
+                        <a:rPr lang="hu-HU" sz="2100" kern="100" cap="none" spc="0" dirty="0">
                           <a:solidFill>
                             <a:schemeClr val="tx1"/>
                           </a:solidFill>
@@ -8904,7 +11955,7 @@
                         </a:rPr>
                         <a:t>43.4380</a:t>
                       </a:r>
-                      <a:endParaRPr lang="hu-HU" sz="2100" kern="100" cap="none" spc="0">
+                      <a:endParaRPr lang="hu-HU" sz="2100" kern="100" cap="none" spc="0" dirty="0">
                         <a:solidFill>
                           <a:schemeClr val="tx1"/>
                         </a:solidFill>
@@ -8956,7 +12007,7 @@
                         </a:spcAft>
                       </a:pPr>
                       <a:r>
-                        <a:rPr lang="hu-HU" sz="2100" kern="100" cap="none" spc="0">
+                        <a:rPr lang="hu-HU" sz="2100" kern="100" cap="none" spc="0" dirty="0">
                           <a:solidFill>
                             <a:schemeClr val="tx1"/>
                           </a:solidFill>
@@ -8964,7 +12015,7 @@
                         </a:rPr>
                         <a:t>0.0211</a:t>
                       </a:r>
-                      <a:endParaRPr lang="hu-HU" sz="2100" kern="100" cap="none" spc="0">
+                      <a:endParaRPr lang="hu-HU" sz="2100" kern="100" cap="none" spc="0" dirty="0">
                         <a:solidFill>
                           <a:schemeClr val="tx1"/>
                         </a:solidFill>
@@ -9538,7 +12589,7 @@
                         </a:spcAft>
                       </a:pPr>
                       <a:r>
-                        <a:rPr lang="hu-HU" sz="2100" kern="100" cap="none" spc="0">
+                        <a:rPr lang="hu-HU" sz="2100" kern="100" cap="none" spc="0" dirty="0">
                           <a:solidFill>
                             <a:schemeClr val="tx1"/>
                           </a:solidFill>
@@ -9546,7 +12597,7 @@
                         </a:rPr>
                         <a:t>25.3052</a:t>
                       </a:r>
-                      <a:endParaRPr lang="hu-HU" sz="2100" kern="100" cap="none" spc="0">
+                      <a:endParaRPr lang="hu-HU" sz="2100" kern="100" cap="none" spc="0" dirty="0">
                         <a:solidFill>
                           <a:schemeClr val="tx1"/>
                         </a:solidFill>
@@ -9810,7 +12861,7 @@
                         </a:spcAft>
                       </a:pPr>
                       <a:r>
-                        <a:rPr lang="hu-HU" sz="2100" kern="100" cap="none" spc="0">
+                        <a:rPr lang="hu-HU" sz="2100" kern="100" cap="none" spc="0" dirty="0">
                           <a:solidFill>
                             <a:schemeClr val="tx1"/>
                           </a:solidFill>
@@ -9825,7 +12876,7 @@
                         </a:rPr>
                         <a:t>27.1487</a:t>
                       </a:r>
-                      <a:endParaRPr lang="hu-HU" sz="2100" kern="100" cap="none" spc="0">
+                      <a:endParaRPr lang="hu-HU" sz="2100" kern="100" cap="none" spc="0" dirty="0">
                         <a:solidFill>
                           <a:schemeClr val="tx1"/>
                         </a:solidFill>
@@ -10124,7 +13175,7 @@
                         </a:spcAft>
                       </a:pPr>
                       <a:r>
-                        <a:rPr lang="hu-HU" sz="2100" kern="100" cap="none" spc="0">
+                        <a:rPr lang="hu-HU" sz="2100" kern="100" cap="none" spc="0" dirty="0">
                           <a:solidFill>
                             <a:schemeClr val="tx1"/>
                           </a:solidFill>
@@ -10132,7 +13183,7 @@
                         </a:rPr>
                         <a:t>0.0193</a:t>
                       </a:r>
-                      <a:endParaRPr lang="hu-HU" sz="2100" kern="100" cap="none" spc="0">
+                      <a:endParaRPr lang="hu-HU" sz="2100" kern="100" cap="none" spc="0" dirty="0">
                         <a:solidFill>
                           <a:schemeClr val="tx1"/>
                         </a:solidFill>
@@ -10190,7 +13241,125 @@
 </p:sld>
 </file>
 
-<file path=ppt/slides/slide6.xml><?xml version="1.0" encoding="utf-8"?>
+<file path=ppt/slides/slide7.xml><?xml version="1.0" encoding="utf-8"?>
+<p:sld xmlns:a="http://schemas.openxmlformats.org/drawingml/2006/main" xmlns:r="http://schemas.openxmlformats.org/officeDocument/2006/relationships" xmlns:p="http://schemas.openxmlformats.org/presentationml/2006/main">
+  <p:cSld>
+    <p:spTree>
+      <p:nvGrpSpPr>
+        <p:cNvPr id="1" name=""/>
+        <p:cNvGrpSpPr/>
+        <p:nvPr/>
+      </p:nvGrpSpPr>
+      <p:grpSpPr>
+        <a:xfrm>
+          <a:off x="0" y="0"/>
+          <a:ext cx="0" cy="0"/>
+          <a:chOff x="0" y="0"/>
+          <a:chExt cx="0" cy="0"/>
+        </a:xfrm>
+      </p:grpSpPr>
+      <p:sp>
+        <p:nvSpPr>
+          <p:cNvPr id="2" name="Title 1">
+            <a:extLst>
+              <a:ext uri="{FF2B5EF4-FFF2-40B4-BE49-F238E27FC236}">
+                <a16:creationId xmlns:a16="http://schemas.microsoft.com/office/drawing/2014/main" id="{17282C9A-19C4-C15A-4A1E-C3AD14AA2125}"/>
+              </a:ext>
+            </a:extLst>
+          </p:cNvPr>
+          <p:cNvSpPr>
+            <a:spLocks noGrp="1"/>
+          </p:cNvSpPr>
+          <p:nvPr>
+            <p:ph type="title"/>
+          </p:nvPr>
+        </p:nvSpPr>
+        <p:spPr/>
+        <p:txBody>
+          <a:bodyPr/>
+          <a:lstStyle/>
+          <a:p>
+            <a:r>
+              <a:rPr lang="hu-HU" dirty="0"/>
+              <a:t>Minták</a:t>
+            </a:r>
+          </a:p>
+        </p:txBody>
+      </p:sp>
+      <p:pic>
+        <p:nvPicPr>
+          <p:cNvPr id="5" name="Picture 4" descr="A collage of images of anime girls&#10;&#10;Description automatically generated">
+            <a:extLst>
+              <a:ext uri="{FF2B5EF4-FFF2-40B4-BE49-F238E27FC236}">
+                <a16:creationId xmlns:a16="http://schemas.microsoft.com/office/drawing/2014/main" id="{D72B6E94-E8EE-BDA4-0900-8DBDCD1B62A3}"/>
+              </a:ext>
+            </a:extLst>
+          </p:cNvPr>
+          <p:cNvPicPr>
+            <a:picLocks noChangeAspect="1"/>
+          </p:cNvPicPr>
+          <p:nvPr/>
+        </p:nvPicPr>
+        <p:blipFill>
+          <a:blip r:embed="rId2"/>
+          <a:stretch>
+            <a:fillRect/>
+          </a:stretch>
+        </p:blipFill>
+        <p:spPr>
+          <a:xfrm>
+            <a:off x="243828" y="1976681"/>
+            <a:ext cx="5852172" cy="4389129"/>
+          </a:xfrm>
+          <a:prstGeom prst="rect">
+            <a:avLst/>
+          </a:prstGeom>
+        </p:spPr>
+      </p:pic>
+      <p:pic>
+        <p:nvPicPr>
+          <p:cNvPr id="7" name="Picture 6" descr="A collage of a group of people&#10;&#10;Description automatically generated">
+            <a:extLst>
+              <a:ext uri="{FF2B5EF4-FFF2-40B4-BE49-F238E27FC236}">
+                <a16:creationId xmlns:a16="http://schemas.microsoft.com/office/drawing/2014/main" id="{3689B161-AC2A-209E-B789-30E34B83A83F}"/>
+              </a:ext>
+            </a:extLst>
+          </p:cNvPr>
+          <p:cNvPicPr>
+            <a:picLocks noChangeAspect="1"/>
+          </p:cNvPicPr>
+          <p:nvPr/>
+        </p:nvPicPr>
+        <p:blipFill>
+          <a:blip r:embed="rId3"/>
+          <a:stretch>
+            <a:fillRect/>
+          </a:stretch>
+        </p:blipFill>
+        <p:spPr>
+          <a:xfrm>
+            <a:off x="5948425" y="1976681"/>
+            <a:ext cx="5852172" cy="4389129"/>
+          </a:xfrm>
+          <a:prstGeom prst="rect">
+            <a:avLst/>
+          </a:prstGeom>
+        </p:spPr>
+      </p:pic>
+    </p:spTree>
+    <p:extLst>
+      <p:ext uri="{BB962C8B-B14F-4D97-AF65-F5344CB8AC3E}">
+        <p14:creationId xmlns:p14="http://schemas.microsoft.com/office/powerpoint/2010/main" val="4257212551"/>
+      </p:ext>
+    </p:extLst>
+  </p:cSld>
+  <p:clrMapOvr>
+    <a:masterClrMapping/>
+  </p:clrMapOvr>
+</p:sld>
+</file>
+
+<file path=ppt/slides/slide8.xml><?xml version="1.0" encoding="utf-8"?>
 <p:sld xmlns:a="http://schemas.openxmlformats.org/drawingml/2006/main" xmlns:r="http://schemas.openxmlformats.org/officeDocument/2006/relationships" xmlns:p="http://schemas.openxmlformats.org/presentationml/2006/main">
   <p:cSld>
     <p:spTree>
@@ -10264,7 +13433,7 @@
         </p:blipFill>
         <p:spPr>
           <a:xfrm>
-            <a:off x="1371600" y="1979452"/>
+            <a:off x="1343025" y="1979452"/>
             <a:ext cx="5513518" cy="4383247"/>
           </a:xfrm>
           <a:prstGeom prst="rect">

--- a/HF-ppt.pptx
+++ b/HF-ppt.pptx
@@ -5356,7 +5356,7 @@
             <a:pPr rtl="0"/>
             <a:fld id="{295E2BD4-D9CB-48FD-8C59-508D6F90418C}" type="datetime1">
               <a:rPr lang="hu-HU" smtClean="0"/>
-              <a:t>2023. 12. 17.</a:t>
+              <a:t>2023. 12. 18.</a:t>
             </a:fld>
             <a:endParaRPr lang="hu-HU"/>
           </a:p>
@@ -5538,7 +5538,7 @@
             <a:pPr rtl="0"/>
             <a:fld id="{12109E94-D5C7-44E2-84F8-C830BDB9E442}" type="datetime1">
               <a:rPr lang="hu-HU" noProof="0" smtClean="0"/>
-              <a:t>2023. 12. 17.</a:t>
+              <a:t>2023. 12. 18.</a:t>
             </a:fld>
             <a:endParaRPr lang="hu-HU" noProof="0"/>
           </a:p>
@@ -6141,7 +6141,7 @@
             <a:pPr rtl="0"/>
             <a:fld id="{7CAD535B-4CB5-4874-81B6-D6A6E78C0D76}" type="datetime1">
               <a:rPr lang="hu-HU" noProof="0" smtClean="0"/>
-              <a:t>2023. 12. 17.</a:t>
+              <a:t>2023. 12. 18.</a:t>
             </a:fld>
             <a:endParaRPr lang="hu-HU" noProof="0"/>
           </a:p>
@@ -6406,7 +6406,7 @@
             <a:pPr rtl="0"/>
             <a:fld id="{ECEB5C9B-AF09-4148-9E7B-564D848971C9}" type="datetime1">
               <a:rPr lang="hu-HU" noProof="0" smtClean="0"/>
-              <a:t>2023. 12. 17.</a:t>
+              <a:t>2023. 12. 18.</a:t>
             </a:fld>
             <a:endParaRPr lang="hu-HU" noProof="0"/>
           </a:p>
@@ -6644,7 +6644,7 @@
             <a:pPr rtl="0"/>
             <a:fld id="{B3506E46-8335-4DD0-87E8-8DD3A9C9747F}" type="datetime1">
               <a:rPr lang="hu-HU" noProof="0" smtClean="0"/>
-              <a:t>2023. 12. 17.</a:t>
+              <a:t>2023. 12. 18.</a:t>
             </a:fld>
             <a:endParaRPr lang="hu-HU" noProof="0"/>
           </a:p>
@@ -6887,7 +6887,7 @@
             <a:pPr rtl="0"/>
             <a:fld id="{5B862769-DD6F-402E-80FD-DE6D2DAAD7EA}" type="datetime1">
               <a:rPr lang="hu-HU" noProof="0" smtClean="0"/>
-              <a:t>2023. 12. 17.</a:t>
+              <a:t>2023. 12. 18.</a:t>
             </a:fld>
             <a:endParaRPr lang="hu-HU" noProof="0"/>
           </a:p>
@@ -7198,7 +7198,7 @@
             <a:pPr rtl="0"/>
             <a:fld id="{373E6A39-B7CB-4575-9402-D8A9B7A62C97}" type="datetime1">
               <a:rPr lang="hu-HU" noProof="0" smtClean="0"/>
-              <a:t>2023. 12. 17.</a:t>
+              <a:t>2023. 12. 18.</a:t>
             </a:fld>
             <a:endParaRPr lang="hu-HU" noProof="0"/>
           </a:p>
@@ -7502,7 +7502,7 @@
             <a:pPr rtl="0"/>
             <a:fld id="{54F8C29E-B407-4C40-80D8-E0A5BDC59311}" type="datetime1">
               <a:rPr lang="hu-HU" noProof="0" smtClean="0"/>
-              <a:t>2023. 12. 17.</a:t>
+              <a:t>2023. 12. 18.</a:t>
             </a:fld>
             <a:endParaRPr lang="hu-HU" noProof="0"/>
           </a:p>
@@ -7926,7 +7926,7 @@
             <a:pPr rtl="0"/>
             <a:fld id="{68DC1DA7-F88C-4FD5-A20D-D995857F5843}" type="datetime1">
               <a:rPr lang="hu-HU" noProof="0" smtClean="0"/>
-              <a:t>2023. 12. 17.</a:t>
+              <a:t>2023. 12. 18.</a:t>
             </a:fld>
             <a:endParaRPr lang="hu-HU" noProof="0"/>
           </a:p>
@@ -8025,7 +8025,7 @@
             <a:pPr rtl="0"/>
             <a:fld id="{73FF2ED9-DB45-4408-A60F-7251CE4974B0}" type="datetime1">
               <a:rPr lang="hu-HU" noProof="0" smtClean="0"/>
-              <a:t>2023. 12. 17.</a:t>
+              <a:t>2023. 12. 18.</a:t>
             </a:fld>
             <a:endParaRPr lang="hu-HU" noProof="0"/>
           </a:p>
@@ -8191,7 +8191,7 @@
             <a:pPr rtl="0"/>
             <a:fld id="{F9EB6C48-B647-4E5E-8558-3BA6B2EBF053}" type="datetime1">
               <a:rPr lang="hu-HU" noProof="0" smtClean="0"/>
-              <a:t>2023. 12. 17.</a:t>
+              <a:t>2023. 12. 18.</a:t>
             </a:fld>
             <a:endParaRPr lang="hu-HU" noProof="0"/>
           </a:p>
@@ -8572,7 +8572,7 @@
             <a:pPr rtl="0"/>
             <a:fld id="{ED99BAC8-BF23-4F15-A2D5-7CE50D65D686}" type="datetime1">
               <a:rPr lang="hu-HU" noProof="0" smtClean="0"/>
-              <a:t>2023. 12. 17.</a:t>
+              <a:t>2023. 12. 18.</a:t>
             </a:fld>
             <a:endParaRPr lang="hu-HU" noProof="0"/>
           </a:p>
@@ -8865,7 +8865,7 @@
             <a:pPr rtl="0"/>
             <a:fld id="{182BC3CA-2A87-4192-91B8-793CE7007EAE}" type="datetime1">
               <a:rPr lang="hu-HU" noProof="0" smtClean="0"/>
-              <a:t>2023. 12. 17.</a:t>
+              <a:t>2023. 12. 18.</a:t>
             </a:fld>
             <a:endParaRPr lang="hu-HU" noProof="0"/>
           </a:p>
@@ -9079,7 +9079,7 @@
             <a:pPr rtl="0"/>
             <a:fld id="{AFD6CA5F-EA8B-41AD-BAA5-9D185411B527}" type="datetime1">
               <a:rPr lang="hu-HU" noProof="0" smtClean="0"/>
-              <a:t>2023. 12. 17.</a:t>
+              <a:t>2023. 12. 18.</a:t>
             </a:fld>
             <a:endParaRPr lang="hu-HU" noProof="0"/>
           </a:p>
@@ -11888,7 +11888,7 @@
                         </a:spcAft>
                       </a:pPr>
                       <a:r>
-                        <a:rPr lang="hu-HU" sz="2100" kern="100" cap="none" spc="0">
+                        <a:rPr lang="hu-HU" sz="2100" kern="100" cap="none" spc="0" dirty="0" err="1">
                           <a:solidFill>
                             <a:schemeClr val="tx1"/>
                           </a:solidFill>
@@ -11896,7 +11896,7 @@
                         </a:rPr>
                         <a:t>Baseline</a:t>
                       </a:r>
-                      <a:endParaRPr lang="hu-HU" sz="2100" kern="100" cap="none" spc="0">
+                      <a:endParaRPr lang="hu-HU" sz="2100" kern="100" cap="none" spc="0" dirty="0">
                         <a:solidFill>
                           <a:schemeClr val="tx1"/>
                         </a:solidFill>
@@ -12449,7 +12449,7 @@
                         </a:spcAft>
                       </a:pPr>
                       <a:r>
-                        <a:rPr lang="hu-HU" sz="2100" kern="100" cap="none" spc="0">
+                        <a:rPr lang="hu-HU" sz="2100" kern="100" cap="none" spc="0" dirty="0">
                           <a:solidFill>
                             <a:schemeClr val="tx1"/>
                           </a:solidFill>
@@ -12457,7 +12457,7 @@
                         </a:rPr>
                         <a:t>0.0158</a:t>
                       </a:r>
-                      <a:endParaRPr lang="hu-HU" sz="2100" kern="100" cap="none" spc="0">
+                      <a:endParaRPr lang="hu-HU" sz="2100" kern="100" cap="none" spc="0" dirty="0">
                         <a:solidFill>
                           <a:schemeClr val="tx1"/>
                         </a:solidFill>
@@ -12801,7 +12801,7 @@
                         </a:spcAft>
                       </a:pPr>
                       <a:r>
-                        <a:rPr lang="hu-HU" sz="2100" kern="100" cap="none" spc="0">
+                        <a:rPr lang="hu-HU" sz="2100" kern="100" cap="none" spc="0" dirty="0" err="1">
                           <a:solidFill>
                             <a:schemeClr val="tx1"/>
                           </a:solidFill>
@@ -12809,7 +12809,7 @@
                         </a:rPr>
                         <a:t>Final</a:t>
                       </a:r>
-                      <a:endParaRPr lang="hu-HU" sz="2100" kern="100" cap="none" spc="0">
+                      <a:endParaRPr lang="hu-HU" sz="2100" kern="100" cap="none" spc="0" dirty="0">
                         <a:solidFill>
                           <a:schemeClr val="tx1"/>
                         </a:solidFill>
@@ -12928,7 +12928,7 @@
                         </a:spcAft>
                       </a:pPr>
                       <a:r>
-                        <a:rPr lang="hu-HU" sz="2100" kern="100" cap="none" spc="0">
+                        <a:rPr lang="hu-HU" sz="2100" kern="100" cap="none" spc="0" dirty="0">
                           <a:solidFill>
                             <a:schemeClr val="tx1"/>
                           </a:solidFill>
@@ -12936,7 +12936,7 @@
                         </a:rPr>
                         <a:t>0.0133</a:t>
                       </a:r>
-                      <a:endParaRPr lang="hu-HU" sz="2100" kern="100" cap="none" spc="0">
+                      <a:endParaRPr lang="hu-HU" sz="2100" kern="100" cap="none" spc="0" dirty="0">
                         <a:solidFill>
                           <a:schemeClr val="tx1"/>
                         </a:solidFill>
@@ -12988,7 +12988,7 @@
                         </a:spcAft>
                       </a:pPr>
                       <a:r>
-                        <a:rPr lang="hu-HU" sz="2100" kern="100" cap="none" spc="0">
+                        <a:rPr lang="hu-HU" sz="2100" kern="100" cap="none" spc="0" dirty="0">
                           <a:solidFill>
                             <a:schemeClr val="tx1"/>
                           </a:solidFill>
@@ -12996,7 +12996,7 @@
                         </a:rPr>
                         <a:t>0.0099</a:t>
                       </a:r>
-                      <a:endParaRPr lang="hu-HU" sz="2100" kern="100" cap="none" spc="0">
+                      <a:endParaRPr lang="hu-HU" sz="2100" kern="100" cap="none" spc="0" dirty="0">
                         <a:solidFill>
                           <a:schemeClr val="tx1"/>
                         </a:solidFill>
@@ -13048,7 +13048,7 @@
                         </a:spcAft>
                       </a:pPr>
                       <a:r>
-                        <a:rPr lang="hu-HU" sz="2100" kern="100" cap="none" spc="0">
+                        <a:rPr lang="hu-HU" sz="2100" kern="100" cap="none" spc="0" dirty="0">
                           <a:solidFill>
                             <a:schemeClr val="tx1"/>
                           </a:solidFill>
@@ -13063,7 +13063,7 @@
                         </a:rPr>
                         <a:t>21.4451</a:t>
                       </a:r>
-                      <a:endParaRPr lang="hu-HU" sz="2100" kern="100" cap="none" spc="0">
+                      <a:endParaRPr lang="hu-HU" sz="2100" kern="100" cap="none" spc="0" dirty="0">
                         <a:solidFill>
                           <a:schemeClr val="tx1"/>
                         </a:solidFill>
@@ -13115,7 +13115,7 @@
                         </a:spcAft>
                       </a:pPr>
                       <a:r>
-                        <a:rPr lang="hu-HU" sz="2100" kern="100" cap="none" spc="0">
+                        <a:rPr lang="hu-HU" sz="2100" kern="100" cap="none" spc="0" dirty="0">
                           <a:solidFill>
                             <a:schemeClr val="tx1"/>
                           </a:solidFill>
@@ -13123,7 +13123,7 @@
                         </a:rPr>
                         <a:t>0.0178</a:t>
                       </a:r>
-                      <a:endParaRPr lang="hu-HU" sz="2100" kern="100" cap="none" spc="0">
+                      <a:endParaRPr lang="hu-HU" sz="2100" kern="100" cap="none" spc="0" dirty="0">
                         <a:solidFill>
                           <a:schemeClr val="tx1"/>
                         </a:solidFill>
